--- a/contents/발표자료.pptx
+++ b/contents/발표자료.pptx
@@ -5,7 +5,7 @@
     <p:sldMasterId id="2147483648" r:id="rId1"/>
   </p:sldMasterIdLst>
   <p:notesMasterIdLst>
-    <p:notesMasterId r:id="rId31"/>
+    <p:notesMasterId r:id="rId34"/>
   </p:notesMasterIdLst>
   <p:sldIdLst>
     <p:sldId id="361" r:id="rId2"/>
@@ -20,23 +20,26 @@
     <p:sldId id="370" r:id="rId11"/>
     <p:sldId id="371" r:id="rId12"/>
     <p:sldId id="372" r:id="rId13"/>
-    <p:sldId id="373" r:id="rId14"/>
-    <p:sldId id="374" r:id="rId15"/>
-    <p:sldId id="375" r:id="rId16"/>
-    <p:sldId id="376" r:id="rId17"/>
-    <p:sldId id="377" r:id="rId18"/>
-    <p:sldId id="378" r:id="rId19"/>
-    <p:sldId id="379" r:id="rId20"/>
-    <p:sldId id="380" r:id="rId21"/>
-    <p:sldId id="381" r:id="rId22"/>
-    <p:sldId id="382" r:id="rId23"/>
-    <p:sldId id="383" r:id="rId24"/>
-    <p:sldId id="384" r:id="rId25"/>
-    <p:sldId id="385" r:id="rId26"/>
-    <p:sldId id="386" r:id="rId27"/>
-    <p:sldId id="387" r:id="rId28"/>
-    <p:sldId id="388" r:id="rId29"/>
-    <p:sldId id="389" r:id="rId30"/>
+    <p:sldId id="393" r:id="rId14"/>
+    <p:sldId id="392" r:id="rId15"/>
+    <p:sldId id="373" r:id="rId16"/>
+    <p:sldId id="374" r:id="rId17"/>
+    <p:sldId id="375" r:id="rId18"/>
+    <p:sldId id="394" r:id="rId19"/>
+    <p:sldId id="376" r:id="rId20"/>
+    <p:sldId id="377" r:id="rId21"/>
+    <p:sldId id="378" r:id="rId22"/>
+    <p:sldId id="379" r:id="rId23"/>
+    <p:sldId id="380" r:id="rId24"/>
+    <p:sldId id="381" r:id="rId25"/>
+    <p:sldId id="382" r:id="rId26"/>
+    <p:sldId id="383" r:id="rId27"/>
+    <p:sldId id="384" r:id="rId28"/>
+    <p:sldId id="385" r:id="rId29"/>
+    <p:sldId id="386" r:id="rId30"/>
+    <p:sldId id="387" r:id="rId31"/>
+    <p:sldId id="388" r:id="rId32"/>
+    <p:sldId id="389" r:id="rId33"/>
   </p:sldIdLst>
   <p:sldSz cx="12192000" cy="6858000"/>
   <p:notesSz cx="6858000" cy="9144000"/>
@@ -251,7 +254,7 @@
           <a:p>
             <a:fld id="{87A29EFD-45CA-46AA-B803-6F1F7F7B4838}" type="datetimeFigureOut">
               <a:rPr lang="ko-KR" altLang="en-US" smtClean="0"/>
-              <a:t>2024-12-19</a:t>
+              <a:t>2025-01-03</a:t>
             </a:fld>
             <a:endParaRPr lang="ko-KR" altLang="en-US"/>
           </a:p>
@@ -958,6 +961,222 @@
         <p:cNvPr id="1" name="">
           <a:extLst>
             <a:ext uri="{FF2B5EF4-FFF2-40B4-BE49-F238E27FC236}">
+              <a16:creationId xmlns:a16="http://schemas.microsoft.com/office/drawing/2014/main" id="{34C7598B-4B34-89BE-8C92-BC24ABB2746B}"/>
+            </a:ext>
+          </a:extLst>
+        </p:cNvPr>
+        <p:cNvGrpSpPr/>
+        <p:nvPr/>
+      </p:nvGrpSpPr>
+      <p:grpSpPr>
+        <a:xfrm>
+          <a:off x="0" y="0"/>
+          <a:ext cx="0" cy="0"/>
+          <a:chOff x="0" y="0"/>
+          <a:chExt cx="0" cy="0"/>
+        </a:xfrm>
+      </p:grpSpPr>
+      <p:sp>
+        <p:nvSpPr>
+          <p:cNvPr id="2" name="슬라이드 이미지 개체 틀 1">
+            <a:extLst>
+              <a:ext uri="{FF2B5EF4-FFF2-40B4-BE49-F238E27FC236}">
+                <a16:creationId xmlns:a16="http://schemas.microsoft.com/office/drawing/2014/main" id="{D09F1E61-D59F-9FDA-6B23-97A934C5E91B}"/>
+              </a:ext>
+            </a:extLst>
+          </p:cNvPr>
+          <p:cNvSpPr>
+            <a:spLocks noGrp="1" noRot="1" noChangeAspect="1"/>
+          </p:cNvSpPr>
+          <p:nvPr>
+            <p:ph type="sldImg"/>
+          </p:nvPr>
+        </p:nvSpPr>
+        <p:spPr/>
+      </p:sp>
+      <p:sp>
+        <p:nvSpPr>
+          <p:cNvPr id="3" name="슬라이드 노트 개체 틀 2">
+            <a:extLst>
+              <a:ext uri="{FF2B5EF4-FFF2-40B4-BE49-F238E27FC236}">
+                <a16:creationId xmlns:a16="http://schemas.microsoft.com/office/drawing/2014/main" id="{B4FC4926-2A29-25BA-9742-0A3AC55007A3}"/>
+              </a:ext>
+            </a:extLst>
+          </p:cNvPr>
+          <p:cNvSpPr>
+            <a:spLocks noGrp="1"/>
+          </p:cNvSpPr>
+          <p:nvPr>
+            <p:ph type="body" idx="1"/>
+          </p:nvPr>
+        </p:nvSpPr>
+        <p:spPr/>
+        <p:txBody>
+          <a:bodyPr/>
+          <a:lstStyle/>
+          <a:p>
+            <a:endParaRPr lang="en-US" altLang="ko-KR" dirty="0"/>
+          </a:p>
+        </p:txBody>
+      </p:sp>
+      <p:sp>
+        <p:nvSpPr>
+          <p:cNvPr id="4" name="슬라이드 번호 개체 틀 3">
+            <a:extLst>
+              <a:ext uri="{FF2B5EF4-FFF2-40B4-BE49-F238E27FC236}">
+                <a16:creationId xmlns:a16="http://schemas.microsoft.com/office/drawing/2014/main" id="{CF7F85C3-DEBB-75CB-BB42-02114E9C3B35}"/>
+              </a:ext>
+            </a:extLst>
+          </p:cNvPr>
+          <p:cNvSpPr>
+            <a:spLocks noGrp="1"/>
+          </p:cNvSpPr>
+          <p:nvPr>
+            <p:ph type="sldNum" sz="quarter" idx="5"/>
+          </p:nvPr>
+        </p:nvSpPr>
+        <p:spPr/>
+        <p:txBody>
+          <a:bodyPr/>
+          <a:lstStyle/>
+          <a:p>
+            <a:fld id="{953A185D-3EAB-4307-AC60-15F02B21E81C}" type="slidenum">
+              <a:rPr lang="ko-KR" altLang="en-US" smtClean="0"/>
+              <a:t>13</a:t>
+            </a:fld>
+            <a:endParaRPr lang="ko-KR" altLang="en-US"/>
+          </a:p>
+        </p:txBody>
+      </p:sp>
+    </p:spTree>
+    <p:extLst>
+      <p:ext uri="{BB962C8B-B14F-4D97-AF65-F5344CB8AC3E}">
+        <p14:creationId xmlns:p14="http://schemas.microsoft.com/office/powerpoint/2010/main" val="1722697273"/>
+      </p:ext>
+    </p:extLst>
+  </p:cSld>
+  <p:clrMapOvr>
+    <a:masterClrMapping/>
+  </p:clrMapOvr>
+</p:notes>
+</file>
+
+<file path=ppt/notesSlides/notesSlide14.xml><?xml version="1.0" encoding="utf-8"?>
+<p:notes xmlns:a="http://schemas.openxmlformats.org/drawingml/2006/main" xmlns:r="http://schemas.openxmlformats.org/officeDocument/2006/relationships" xmlns:p="http://schemas.openxmlformats.org/presentationml/2006/main">
+  <p:cSld>
+    <p:spTree>
+      <p:nvGrpSpPr>
+        <p:cNvPr id="1" name="">
+          <a:extLst>
+            <a:ext uri="{FF2B5EF4-FFF2-40B4-BE49-F238E27FC236}">
+              <a16:creationId xmlns:a16="http://schemas.microsoft.com/office/drawing/2014/main" id="{A44187AC-0B29-5C8C-BE32-833BDA37E3DD}"/>
+            </a:ext>
+          </a:extLst>
+        </p:cNvPr>
+        <p:cNvGrpSpPr/>
+        <p:nvPr/>
+      </p:nvGrpSpPr>
+      <p:grpSpPr>
+        <a:xfrm>
+          <a:off x="0" y="0"/>
+          <a:ext cx="0" cy="0"/>
+          <a:chOff x="0" y="0"/>
+          <a:chExt cx="0" cy="0"/>
+        </a:xfrm>
+      </p:grpSpPr>
+      <p:sp>
+        <p:nvSpPr>
+          <p:cNvPr id="2" name="슬라이드 이미지 개체 틀 1">
+            <a:extLst>
+              <a:ext uri="{FF2B5EF4-FFF2-40B4-BE49-F238E27FC236}">
+                <a16:creationId xmlns:a16="http://schemas.microsoft.com/office/drawing/2014/main" id="{514A358C-727A-8123-69FB-40C4D89EE3B5}"/>
+              </a:ext>
+            </a:extLst>
+          </p:cNvPr>
+          <p:cNvSpPr>
+            <a:spLocks noGrp="1" noRot="1" noChangeAspect="1"/>
+          </p:cNvSpPr>
+          <p:nvPr>
+            <p:ph type="sldImg"/>
+          </p:nvPr>
+        </p:nvSpPr>
+        <p:spPr/>
+      </p:sp>
+      <p:sp>
+        <p:nvSpPr>
+          <p:cNvPr id="3" name="슬라이드 노트 개체 틀 2">
+            <a:extLst>
+              <a:ext uri="{FF2B5EF4-FFF2-40B4-BE49-F238E27FC236}">
+                <a16:creationId xmlns:a16="http://schemas.microsoft.com/office/drawing/2014/main" id="{855379A0-85D2-9A67-F6DC-5F0CE992F817}"/>
+              </a:ext>
+            </a:extLst>
+          </p:cNvPr>
+          <p:cNvSpPr>
+            <a:spLocks noGrp="1"/>
+          </p:cNvSpPr>
+          <p:nvPr>
+            <p:ph type="body" idx="1"/>
+          </p:nvPr>
+        </p:nvSpPr>
+        <p:spPr/>
+        <p:txBody>
+          <a:bodyPr/>
+          <a:lstStyle/>
+          <a:p>
+            <a:endParaRPr lang="en-US" altLang="ko-KR" dirty="0"/>
+          </a:p>
+        </p:txBody>
+      </p:sp>
+      <p:sp>
+        <p:nvSpPr>
+          <p:cNvPr id="4" name="슬라이드 번호 개체 틀 3">
+            <a:extLst>
+              <a:ext uri="{FF2B5EF4-FFF2-40B4-BE49-F238E27FC236}">
+                <a16:creationId xmlns:a16="http://schemas.microsoft.com/office/drawing/2014/main" id="{1AE2BE94-E348-2554-1C50-41F9E58F741C}"/>
+              </a:ext>
+            </a:extLst>
+          </p:cNvPr>
+          <p:cNvSpPr>
+            <a:spLocks noGrp="1"/>
+          </p:cNvSpPr>
+          <p:nvPr>
+            <p:ph type="sldNum" sz="quarter" idx="5"/>
+          </p:nvPr>
+        </p:nvSpPr>
+        <p:spPr/>
+        <p:txBody>
+          <a:bodyPr/>
+          <a:lstStyle/>
+          <a:p>
+            <a:fld id="{953A185D-3EAB-4307-AC60-15F02B21E81C}" type="slidenum">
+              <a:rPr lang="ko-KR" altLang="en-US" smtClean="0"/>
+              <a:t>14</a:t>
+            </a:fld>
+            <a:endParaRPr lang="ko-KR" altLang="en-US"/>
+          </a:p>
+        </p:txBody>
+      </p:sp>
+    </p:spTree>
+    <p:extLst>
+      <p:ext uri="{BB962C8B-B14F-4D97-AF65-F5344CB8AC3E}">
+        <p14:creationId xmlns:p14="http://schemas.microsoft.com/office/powerpoint/2010/main" val="2951087629"/>
+      </p:ext>
+    </p:extLst>
+  </p:cSld>
+  <p:clrMapOvr>
+    <a:masterClrMapping/>
+  </p:clrMapOvr>
+</p:notes>
+</file>
+
+<file path=ppt/notesSlides/notesSlide15.xml><?xml version="1.0" encoding="utf-8"?>
+<p:notes xmlns:a="http://schemas.openxmlformats.org/drawingml/2006/main" xmlns:r="http://schemas.openxmlformats.org/officeDocument/2006/relationships" xmlns:p="http://schemas.openxmlformats.org/presentationml/2006/main">
+  <p:cSld>
+    <p:spTree>
+      <p:nvGrpSpPr>
+        <p:cNvPr id="1" name="">
+          <a:extLst>
+            <a:ext uri="{FF2B5EF4-FFF2-40B4-BE49-F238E27FC236}">
               <a16:creationId xmlns:a16="http://schemas.microsoft.com/office/drawing/2014/main" id="{45460FCD-8875-739E-036E-276CAB8C0CCD}"/>
             </a:ext>
           </a:extLst>
@@ -1039,7 +1258,7 @@
           <a:p>
             <a:fld id="{953A185D-3EAB-4307-AC60-15F02B21E81C}" type="slidenum">
               <a:rPr lang="ko-KR" altLang="en-US" smtClean="0"/>
-              <a:t>13</a:t>
+              <a:t>15</a:t>
             </a:fld>
             <a:endParaRPr lang="ko-KR" altLang="en-US"/>
           </a:p>
@@ -1058,7 +1277,7 @@
 </p:notes>
 </file>
 
-<file path=ppt/notesSlides/notesSlide14.xml><?xml version="1.0" encoding="utf-8"?>
+<file path=ppt/notesSlides/notesSlide16.xml><?xml version="1.0" encoding="utf-8"?>
 <p:notes xmlns:a="http://schemas.openxmlformats.org/drawingml/2006/main" xmlns:r="http://schemas.openxmlformats.org/officeDocument/2006/relationships" xmlns:p="http://schemas.openxmlformats.org/presentationml/2006/main">
   <p:cSld>
     <p:spTree>
@@ -1147,7 +1366,7 @@
           <a:p>
             <a:fld id="{953A185D-3EAB-4307-AC60-15F02B21E81C}" type="slidenum">
               <a:rPr lang="ko-KR" altLang="en-US" smtClean="0"/>
-              <a:t>14</a:t>
+              <a:t>16</a:t>
             </a:fld>
             <a:endParaRPr lang="ko-KR" altLang="en-US"/>
           </a:p>
@@ -1166,7 +1385,7 @@
 </p:notes>
 </file>
 
-<file path=ppt/notesSlides/notesSlide15.xml><?xml version="1.0" encoding="utf-8"?>
+<file path=ppt/notesSlides/notesSlide17.xml><?xml version="1.0" encoding="utf-8"?>
 <p:notes xmlns:a="http://schemas.openxmlformats.org/drawingml/2006/main" xmlns:r="http://schemas.openxmlformats.org/officeDocument/2006/relationships" xmlns:p="http://schemas.openxmlformats.org/presentationml/2006/main">
   <p:cSld>
     <p:spTree>
@@ -1255,7 +1474,7 @@
           <a:p>
             <a:fld id="{953A185D-3EAB-4307-AC60-15F02B21E81C}" type="slidenum">
               <a:rPr lang="ko-KR" altLang="en-US" smtClean="0"/>
-              <a:t>15</a:t>
+              <a:t>17</a:t>
             </a:fld>
             <a:endParaRPr lang="ko-KR" altLang="en-US"/>
           </a:p>
@@ -1274,7 +1493,115 @@
 </p:notes>
 </file>
 
-<file path=ppt/notesSlides/notesSlide16.xml><?xml version="1.0" encoding="utf-8"?>
+<file path=ppt/notesSlides/notesSlide18.xml><?xml version="1.0" encoding="utf-8"?>
+<p:notes xmlns:a="http://schemas.openxmlformats.org/drawingml/2006/main" xmlns:r="http://schemas.openxmlformats.org/officeDocument/2006/relationships" xmlns:p="http://schemas.openxmlformats.org/presentationml/2006/main">
+  <p:cSld>
+    <p:spTree>
+      <p:nvGrpSpPr>
+        <p:cNvPr id="1" name="">
+          <a:extLst>
+            <a:ext uri="{FF2B5EF4-FFF2-40B4-BE49-F238E27FC236}">
+              <a16:creationId xmlns:a16="http://schemas.microsoft.com/office/drawing/2014/main" id="{3A4C775F-100F-6179-F596-A65C78F8FB24}"/>
+            </a:ext>
+          </a:extLst>
+        </p:cNvPr>
+        <p:cNvGrpSpPr/>
+        <p:nvPr/>
+      </p:nvGrpSpPr>
+      <p:grpSpPr>
+        <a:xfrm>
+          <a:off x="0" y="0"/>
+          <a:ext cx="0" cy="0"/>
+          <a:chOff x="0" y="0"/>
+          <a:chExt cx="0" cy="0"/>
+        </a:xfrm>
+      </p:grpSpPr>
+      <p:sp>
+        <p:nvSpPr>
+          <p:cNvPr id="2" name="슬라이드 이미지 개체 틀 1">
+            <a:extLst>
+              <a:ext uri="{FF2B5EF4-FFF2-40B4-BE49-F238E27FC236}">
+                <a16:creationId xmlns:a16="http://schemas.microsoft.com/office/drawing/2014/main" id="{C59F321C-E3CC-4E20-78F5-25EF7C1AD715}"/>
+              </a:ext>
+            </a:extLst>
+          </p:cNvPr>
+          <p:cNvSpPr>
+            <a:spLocks noGrp="1" noRot="1" noChangeAspect="1"/>
+          </p:cNvSpPr>
+          <p:nvPr>
+            <p:ph type="sldImg"/>
+          </p:nvPr>
+        </p:nvSpPr>
+        <p:spPr/>
+      </p:sp>
+      <p:sp>
+        <p:nvSpPr>
+          <p:cNvPr id="3" name="슬라이드 노트 개체 틀 2">
+            <a:extLst>
+              <a:ext uri="{FF2B5EF4-FFF2-40B4-BE49-F238E27FC236}">
+                <a16:creationId xmlns:a16="http://schemas.microsoft.com/office/drawing/2014/main" id="{C430AE89-4A28-8A29-7BE7-C1D12CEF3206}"/>
+              </a:ext>
+            </a:extLst>
+          </p:cNvPr>
+          <p:cNvSpPr>
+            <a:spLocks noGrp="1"/>
+          </p:cNvSpPr>
+          <p:nvPr>
+            <p:ph type="body" idx="1"/>
+          </p:nvPr>
+        </p:nvSpPr>
+        <p:spPr/>
+        <p:txBody>
+          <a:bodyPr/>
+          <a:lstStyle/>
+          <a:p>
+            <a:endParaRPr lang="en-US" altLang="ko-KR" dirty="0"/>
+          </a:p>
+        </p:txBody>
+      </p:sp>
+      <p:sp>
+        <p:nvSpPr>
+          <p:cNvPr id="4" name="슬라이드 번호 개체 틀 3">
+            <a:extLst>
+              <a:ext uri="{FF2B5EF4-FFF2-40B4-BE49-F238E27FC236}">
+                <a16:creationId xmlns:a16="http://schemas.microsoft.com/office/drawing/2014/main" id="{171AE63D-7E0B-FFB0-8EE7-8E258A26C98A}"/>
+              </a:ext>
+            </a:extLst>
+          </p:cNvPr>
+          <p:cNvSpPr>
+            <a:spLocks noGrp="1"/>
+          </p:cNvSpPr>
+          <p:nvPr>
+            <p:ph type="sldNum" sz="quarter" idx="5"/>
+          </p:nvPr>
+        </p:nvSpPr>
+        <p:spPr/>
+        <p:txBody>
+          <a:bodyPr/>
+          <a:lstStyle/>
+          <a:p>
+            <a:fld id="{953A185D-3EAB-4307-AC60-15F02B21E81C}" type="slidenum">
+              <a:rPr lang="ko-KR" altLang="en-US" smtClean="0"/>
+              <a:t>18</a:t>
+            </a:fld>
+            <a:endParaRPr lang="ko-KR" altLang="en-US"/>
+          </a:p>
+        </p:txBody>
+      </p:sp>
+    </p:spTree>
+    <p:extLst>
+      <p:ext uri="{BB962C8B-B14F-4D97-AF65-F5344CB8AC3E}">
+        <p14:creationId xmlns:p14="http://schemas.microsoft.com/office/powerpoint/2010/main" val="2812904899"/>
+      </p:ext>
+    </p:extLst>
+  </p:cSld>
+  <p:clrMapOvr>
+    <a:masterClrMapping/>
+  </p:clrMapOvr>
+</p:notes>
+</file>
+
+<file path=ppt/notesSlides/notesSlide19.xml><?xml version="1.0" encoding="utf-8"?>
 <p:notes xmlns:a="http://schemas.openxmlformats.org/drawingml/2006/main" xmlns:r="http://schemas.openxmlformats.org/officeDocument/2006/relationships" xmlns:p="http://schemas.openxmlformats.org/presentationml/2006/main">
   <p:cSld>
     <p:spTree>
@@ -1363,7 +1690,7 @@
           <a:p>
             <a:fld id="{953A185D-3EAB-4307-AC60-15F02B21E81C}" type="slidenum">
               <a:rPr lang="ko-KR" altLang="en-US" smtClean="0"/>
-              <a:t>16</a:t>
+              <a:t>19</a:t>
             </a:fld>
             <a:endParaRPr lang="ko-KR" altLang="en-US"/>
           </a:p>
@@ -1373,330 +1700,6 @@
     <p:extLst>
       <p:ext uri="{BB962C8B-B14F-4D97-AF65-F5344CB8AC3E}">
         <p14:creationId xmlns:p14="http://schemas.microsoft.com/office/powerpoint/2010/main" val="2214641059"/>
-      </p:ext>
-    </p:extLst>
-  </p:cSld>
-  <p:clrMapOvr>
-    <a:masterClrMapping/>
-  </p:clrMapOvr>
-</p:notes>
-</file>
-
-<file path=ppt/notesSlides/notesSlide17.xml><?xml version="1.0" encoding="utf-8"?>
-<p:notes xmlns:a="http://schemas.openxmlformats.org/drawingml/2006/main" xmlns:r="http://schemas.openxmlformats.org/officeDocument/2006/relationships" xmlns:p="http://schemas.openxmlformats.org/presentationml/2006/main">
-  <p:cSld>
-    <p:spTree>
-      <p:nvGrpSpPr>
-        <p:cNvPr id="1" name="">
-          <a:extLst>
-            <a:ext uri="{FF2B5EF4-FFF2-40B4-BE49-F238E27FC236}">
-              <a16:creationId xmlns:a16="http://schemas.microsoft.com/office/drawing/2014/main" id="{4D46F318-1BE1-7D97-9E53-B21F6A849EE7}"/>
-            </a:ext>
-          </a:extLst>
-        </p:cNvPr>
-        <p:cNvGrpSpPr/>
-        <p:nvPr/>
-      </p:nvGrpSpPr>
-      <p:grpSpPr>
-        <a:xfrm>
-          <a:off x="0" y="0"/>
-          <a:ext cx="0" cy="0"/>
-          <a:chOff x="0" y="0"/>
-          <a:chExt cx="0" cy="0"/>
-        </a:xfrm>
-      </p:grpSpPr>
-      <p:sp>
-        <p:nvSpPr>
-          <p:cNvPr id="2" name="슬라이드 이미지 개체 틀 1">
-            <a:extLst>
-              <a:ext uri="{FF2B5EF4-FFF2-40B4-BE49-F238E27FC236}">
-                <a16:creationId xmlns:a16="http://schemas.microsoft.com/office/drawing/2014/main" id="{A6A27C22-652C-EB04-3B2E-F0478EC1CA9C}"/>
-              </a:ext>
-            </a:extLst>
-          </p:cNvPr>
-          <p:cNvSpPr>
-            <a:spLocks noGrp="1" noRot="1" noChangeAspect="1"/>
-          </p:cNvSpPr>
-          <p:nvPr>
-            <p:ph type="sldImg"/>
-          </p:nvPr>
-        </p:nvSpPr>
-        <p:spPr/>
-      </p:sp>
-      <p:sp>
-        <p:nvSpPr>
-          <p:cNvPr id="3" name="슬라이드 노트 개체 틀 2">
-            <a:extLst>
-              <a:ext uri="{FF2B5EF4-FFF2-40B4-BE49-F238E27FC236}">
-                <a16:creationId xmlns:a16="http://schemas.microsoft.com/office/drawing/2014/main" id="{57CBE9E7-9789-898A-911B-3E9BFC56569D}"/>
-              </a:ext>
-            </a:extLst>
-          </p:cNvPr>
-          <p:cNvSpPr>
-            <a:spLocks noGrp="1"/>
-          </p:cNvSpPr>
-          <p:nvPr>
-            <p:ph type="body" idx="1"/>
-          </p:nvPr>
-        </p:nvSpPr>
-        <p:spPr/>
-        <p:txBody>
-          <a:bodyPr/>
-          <a:lstStyle/>
-          <a:p>
-            <a:endParaRPr lang="en-US" altLang="ko-KR" dirty="0"/>
-          </a:p>
-        </p:txBody>
-      </p:sp>
-      <p:sp>
-        <p:nvSpPr>
-          <p:cNvPr id="4" name="슬라이드 번호 개체 틀 3">
-            <a:extLst>
-              <a:ext uri="{FF2B5EF4-FFF2-40B4-BE49-F238E27FC236}">
-                <a16:creationId xmlns:a16="http://schemas.microsoft.com/office/drawing/2014/main" id="{945B4EB0-6124-A4CD-025C-719EEC1A85F2}"/>
-              </a:ext>
-            </a:extLst>
-          </p:cNvPr>
-          <p:cNvSpPr>
-            <a:spLocks noGrp="1"/>
-          </p:cNvSpPr>
-          <p:nvPr>
-            <p:ph type="sldNum" sz="quarter" idx="5"/>
-          </p:nvPr>
-        </p:nvSpPr>
-        <p:spPr/>
-        <p:txBody>
-          <a:bodyPr/>
-          <a:lstStyle/>
-          <a:p>
-            <a:fld id="{953A185D-3EAB-4307-AC60-15F02B21E81C}" type="slidenum">
-              <a:rPr lang="ko-KR" altLang="en-US" smtClean="0"/>
-              <a:t>17</a:t>
-            </a:fld>
-            <a:endParaRPr lang="ko-KR" altLang="en-US"/>
-          </a:p>
-        </p:txBody>
-      </p:sp>
-    </p:spTree>
-    <p:extLst>
-      <p:ext uri="{BB962C8B-B14F-4D97-AF65-F5344CB8AC3E}">
-        <p14:creationId xmlns:p14="http://schemas.microsoft.com/office/powerpoint/2010/main" val="3002842252"/>
-      </p:ext>
-    </p:extLst>
-  </p:cSld>
-  <p:clrMapOvr>
-    <a:masterClrMapping/>
-  </p:clrMapOvr>
-</p:notes>
-</file>
-
-<file path=ppt/notesSlides/notesSlide18.xml><?xml version="1.0" encoding="utf-8"?>
-<p:notes xmlns:a="http://schemas.openxmlformats.org/drawingml/2006/main" xmlns:r="http://schemas.openxmlformats.org/officeDocument/2006/relationships" xmlns:p="http://schemas.openxmlformats.org/presentationml/2006/main">
-  <p:cSld>
-    <p:spTree>
-      <p:nvGrpSpPr>
-        <p:cNvPr id="1" name="">
-          <a:extLst>
-            <a:ext uri="{FF2B5EF4-FFF2-40B4-BE49-F238E27FC236}">
-              <a16:creationId xmlns:a16="http://schemas.microsoft.com/office/drawing/2014/main" id="{1C218A34-26DD-BFD0-33E8-44CC716C8E0F}"/>
-            </a:ext>
-          </a:extLst>
-        </p:cNvPr>
-        <p:cNvGrpSpPr/>
-        <p:nvPr/>
-      </p:nvGrpSpPr>
-      <p:grpSpPr>
-        <a:xfrm>
-          <a:off x="0" y="0"/>
-          <a:ext cx="0" cy="0"/>
-          <a:chOff x="0" y="0"/>
-          <a:chExt cx="0" cy="0"/>
-        </a:xfrm>
-      </p:grpSpPr>
-      <p:sp>
-        <p:nvSpPr>
-          <p:cNvPr id="2" name="슬라이드 이미지 개체 틀 1">
-            <a:extLst>
-              <a:ext uri="{FF2B5EF4-FFF2-40B4-BE49-F238E27FC236}">
-                <a16:creationId xmlns:a16="http://schemas.microsoft.com/office/drawing/2014/main" id="{F8038A76-C910-22E0-C853-DE7E0DE1FFBB}"/>
-              </a:ext>
-            </a:extLst>
-          </p:cNvPr>
-          <p:cNvSpPr>
-            <a:spLocks noGrp="1" noRot="1" noChangeAspect="1"/>
-          </p:cNvSpPr>
-          <p:nvPr>
-            <p:ph type="sldImg"/>
-          </p:nvPr>
-        </p:nvSpPr>
-        <p:spPr/>
-      </p:sp>
-      <p:sp>
-        <p:nvSpPr>
-          <p:cNvPr id="3" name="슬라이드 노트 개체 틀 2">
-            <a:extLst>
-              <a:ext uri="{FF2B5EF4-FFF2-40B4-BE49-F238E27FC236}">
-                <a16:creationId xmlns:a16="http://schemas.microsoft.com/office/drawing/2014/main" id="{CAE00994-3FFA-8A10-257B-0EAF7329F227}"/>
-              </a:ext>
-            </a:extLst>
-          </p:cNvPr>
-          <p:cNvSpPr>
-            <a:spLocks noGrp="1"/>
-          </p:cNvSpPr>
-          <p:nvPr>
-            <p:ph type="body" idx="1"/>
-          </p:nvPr>
-        </p:nvSpPr>
-        <p:spPr/>
-        <p:txBody>
-          <a:bodyPr/>
-          <a:lstStyle/>
-          <a:p>
-            <a:endParaRPr lang="en-US" altLang="ko-KR" dirty="0"/>
-          </a:p>
-        </p:txBody>
-      </p:sp>
-      <p:sp>
-        <p:nvSpPr>
-          <p:cNvPr id="4" name="슬라이드 번호 개체 틀 3">
-            <a:extLst>
-              <a:ext uri="{FF2B5EF4-FFF2-40B4-BE49-F238E27FC236}">
-                <a16:creationId xmlns:a16="http://schemas.microsoft.com/office/drawing/2014/main" id="{C14C8753-6D27-4061-3643-55EE7230A84B}"/>
-              </a:ext>
-            </a:extLst>
-          </p:cNvPr>
-          <p:cNvSpPr>
-            <a:spLocks noGrp="1"/>
-          </p:cNvSpPr>
-          <p:nvPr>
-            <p:ph type="sldNum" sz="quarter" idx="5"/>
-          </p:nvPr>
-        </p:nvSpPr>
-        <p:spPr/>
-        <p:txBody>
-          <a:bodyPr/>
-          <a:lstStyle/>
-          <a:p>
-            <a:fld id="{953A185D-3EAB-4307-AC60-15F02B21E81C}" type="slidenum">
-              <a:rPr lang="ko-KR" altLang="en-US" smtClean="0"/>
-              <a:t>18</a:t>
-            </a:fld>
-            <a:endParaRPr lang="ko-KR" altLang="en-US"/>
-          </a:p>
-        </p:txBody>
-      </p:sp>
-    </p:spTree>
-    <p:extLst>
-      <p:ext uri="{BB962C8B-B14F-4D97-AF65-F5344CB8AC3E}">
-        <p14:creationId xmlns:p14="http://schemas.microsoft.com/office/powerpoint/2010/main" val="2557134944"/>
-      </p:ext>
-    </p:extLst>
-  </p:cSld>
-  <p:clrMapOvr>
-    <a:masterClrMapping/>
-  </p:clrMapOvr>
-</p:notes>
-</file>
-
-<file path=ppt/notesSlides/notesSlide19.xml><?xml version="1.0" encoding="utf-8"?>
-<p:notes xmlns:a="http://schemas.openxmlformats.org/drawingml/2006/main" xmlns:r="http://schemas.openxmlformats.org/officeDocument/2006/relationships" xmlns:p="http://schemas.openxmlformats.org/presentationml/2006/main">
-  <p:cSld>
-    <p:spTree>
-      <p:nvGrpSpPr>
-        <p:cNvPr id="1" name="">
-          <a:extLst>
-            <a:ext uri="{FF2B5EF4-FFF2-40B4-BE49-F238E27FC236}">
-              <a16:creationId xmlns:a16="http://schemas.microsoft.com/office/drawing/2014/main" id="{7506ADF6-0CD2-A425-1497-EA9C3A9568BB}"/>
-            </a:ext>
-          </a:extLst>
-        </p:cNvPr>
-        <p:cNvGrpSpPr/>
-        <p:nvPr/>
-      </p:nvGrpSpPr>
-      <p:grpSpPr>
-        <a:xfrm>
-          <a:off x="0" y="0"/>
-          <a:ext cx="0" cy="0"/>
-          <a:chOff x="0" y="0"/>
-          <a:chExt cx="0" cy="0"/>
-        </a:xfrm>
-      </p:grpSpPr>
-      <p:sp>
-        <p:nvSpPr>
-          <p:cNvPr id="2" name="슬라이드 이미지 개체 틀 1">
-            <a:extLst>
-              <a:ext uri="{FF2B5EF4-FFF2-40B4-BE49-F238E27FC236}">
-                <a16:creationId xmlns:a16="http://schemas.microsoft.com/office/drawing/2014/main" id="{9BFD724D-2E11-1FF5-BD23-00CB555858CC}"/>
-              </a:ext>
-            </a:extLst>
-          </p:cNvPr>
-          <p:cNvSpPr>
-            <a:spLocks noGrp="1" noRot="1" noChangeAspect="1"/>
-          </p:cNvSpPr>
-          <p:nvPr>
-            <p:ph type="sldImg"/>
-          </p:nvPr>
-        </p:nvSpPr>
-        <p:spPr/>
-      </p:sp>
-      <p:sp>
-        <p:nvSpPr>
-          <p:cNvPr id="3" name="슬라이드 노트 개체 틀 2">
-            <a:extLst>
-              <a:ext uri="{FF2B5EF4-FFF2-40B4-BE49-F238E27FC236}">
-                <a16:creationId xmlns:a16="http://schemas.microsoft.com/office/drawing/2014/main" id="{4C4E5B9A-AA68-F963-DD71-1080D1684C69}"/>
-              </a:ext>
-            </a:extLst>
-          </p:cNvPr>
-          <p:cNvSpPr>
-            <a:spLocks noGrp="1"/>
-          </p:cNvSpPr>
-          <p:nvPr>
-            <p:ph type="body" idx="1"/>
-          </p:nvPr>
-        </p:nvSpPr>
-        <p:spPr/>
-        <p:txBody>
-          <a:bodyPr/>
-          <a:lstStyle/>
-          <a:p>
-            <a:endParaRPr lang="en-US" altLang="ko-KR" dirty="0"/>
-          </a:p>
-        </p:txBody>
-      </p:sp>
-      <p:sp>
-        <p:nvSpPr>
-          <p:cNvPr id="4" name="슬라이드 번호 개체 틀 3">
-            <a:extLst>
-              <a:ext uri="{FF2B5EF4-FFF2-40B4-BE49-F238E27FC236}">
-                <a16:creationId xmlns:a16="http://schemas.microsoft.com/office/drawing/2014/main" id="{364F9B0E-8281-46E3-B63F-A5F660867B62}"/>
-              </a:ext>
-            </a:extLst>
-          </p:cNvPr>
-          <p:cNvSpPr>
-            <a:spLocks noGrp="1"/>
-          </p:cNvSpPr>
-          <p:nvPr>
-            <p:ph type="sldNum" sz="quarter" idx="5"/>
-          </p:nvPr>
-        </p:nvSpPr>
-        <p:spPr/>
-        <p:txBody>
-          <a:bodyPr/>
-          <a:lstStyle/>
-          <a:p>
-            <a:fld id="{953A185D-3EAB-4307-AC60-15F02B21E81C}" type="slidenum">
-              <a:rPr lang="ko-KR" altLang="en-US" smtClean="0"/>
-              <a:t>19</a:t>
-            </a:fld>
-            <a:endParaRPr lang="ko-KR" altLang="en-US"/>
-          </a:p>
-        </p:txBody>
-      </p:sp>
-    </p:spTree>
-    <p:extLst>
-      <p:ext uri="{BB962C8B-B14F-4D97-AF65-F5344CB8AC3E}">
-        <p14:creationId xmlns:p14="http://schemas.microsoft.com/office/powerpoint/2010/main" val="3669704384"/>
       </p:ext>
     </p:extLst>
   </p:cSld>
@@ -1822,6 +1825,330 @@
         <p:cNvPr id="1" name="">
           <a:extLst>
             <a:ext uri="{FF2B5EF4-FFF2-40B4-BE49-F238E27FC236}">
+              <a16:creationId xmlns:a16="http://schemas.microsoft.com/office/drawing/2014/main" id="{4D46F318-1BE1-7D97-9E53-B21F6A849EE7}"/>
+            </a:ext>
+          </a:extLst>
+        </p:cNvPr>
+        <p:cNvGrpSpPr/>
+        <p:nvPr/>
+      </p:nvGrpSpPr>
+      <p:grpSpPr>
+        <a:xfrm>
+          <a:off x="0" y="0"/>
+          <a:ext cx="0" cy="0"/>
+          <a:chOff x="0" y="0"/>
+          <a:chExt cx="0" cy="0"/>
+        </a:xfrm>
+      </p:grpSpPr>
+      <p:sp>
+        <p:nvSpPr>
+          <p:cNvPr id="2" name="슬라이드 이미지 개체 틀 1">
+            <a:extLst>
+              <a:ext uri="{FF2B5EF4-FFF2-40B4-BE49-F238E27FC236}">
+                <a16:creationId xmlns:a16="http://schemas.microsoft.com/office/drawing/2014/main" id="{A6A27C22-652C-EB04-3B2E-F0478EC1CA9C}"/>
+              </a:ext>
+            </a:extLst>
+          </p:cNvPr>
+          <p:cNvSpPr>
+            <a:spLocks noGrp="1" noRot="1" noChangeAspect="1"/>
+          </p:cNvSpPr>
+          <p:nvPr>
+            <p:ph type="sldImg"/>
+          </p:nvPr>
+        </p:nvSpPr>
+        <p:spPr/>
+      </p:sp>
+      <p:sp>
+        <p:nvSpPr>
+          <p:cNvPr id="3" name="슬라이드 노트 개체 틀 2">
+            <a:extLst>
+              <a:ext uri="{FF2B5EF4-FFF2-40B4-BE49-F238E27FC236}">
+                <a16:creationId xmlns:a16="http://schemas.microsoft.com/office/drawing/2014/main" id="{57CBE9E7-9789-898A-911B-3E9BFC56569D}"/>
+              </a:ext>
+            </a:extLst>
+          </p:cNvPr>
+          <p:cNvSpPr>
+            <a:spLocks noGrp="1"/>
+          </p:cNvSpPr>
+          <p:nvPr>
+            <p:ph type="body" idx="1"/>
+          </p:nvPr>
+        </p:nvSpPr>
+        <p:spPr/>
+        <p:txBody>
+          <a:bodyPr/>
+          <a:lstStyle/>
+          <a:p>
+            <a:endParaRPr lang="en-US" altLang="ko-KR" dirty="0"/>
+          </a:p>
+        </p:txBody>
+      </p:sp>
+      <p:sp>
+        <p:nvSpPr>
+          <p:cNvPr id="4" name="슬라이드 번호 개체 틀 3">
+            <a:extLst>
+              <a:ext uri="{FF2B5EF4-FFF2-40B4-BE49-F238E27FC236}">
+                <a16:creationId xmlns:a16="http://schemas.microsoft.com/office/drawing/2014/main" id="{945B4EB0-6124-A4CD-025C-719EEC1A85F2}"/>
+              </a:ext>
+            </a:extLst>
+          </p:cNvPr>
+          <p:cNvSpPr>
+            <a:spLocks noGrp="1"/>
+          </p:cNvSpPr>
+          <p:nvPr>
+            <p:ph type="sldNum" sz="quarter" idx="5"/>
+          </p:nvPr>
+        </p:nvSpPr>
+        <p:spPr/>
+        <p:txBody>
+          <a:bodyPr/>
+          <a:lstStyle/>
+          <a:p>
+            <a:fld id="{953A185D-3EAB-4307-AC60-15F02B21E81C}" type="slidenum">
+              <a:rPr lang="ko-KR" altLang="en-US" smtClean="0"/>
+              <a:t>20</a:t>
+            </a:fld>
+            <a:endParaRPr lang="ko-KR" altLang="en-US"/>
+          </a:p>
+        </p:txBody>
+      </p:sp>
+    </p:spTree>
+    <p:extLst>
+      <p:ext uri="{BB962C8B-B14F-4D97-AF65-F5344CB8AC3E}">
+        <p14:creationId xmlns:p14="http://schemas.microsoft.com/office/powerpoint/2010/main" val="3002842252"/>
+      </p:ext>
+    </p:extLst>
+  </p:cSld>
+  <p:clrMapOvr>
+    <a:masterClrMapping/>
+  </p:clrMapOvr>
+</p:notes>
+</file>
+
+<file path=ppt/notesSlides/notesSlide21.xml><?xml version="1.0" encoding="utf-8"?>
+<p:notes xmlns:a="http://schemas.openxmlformats.org/drawingml/2006/main" xmlns:r="http://schemas.openxmlformats.org/officeDocument/2006/relationships" xmlns:p="http://schemas.openxmlformats.org/presentationml/2006/main">
+  <p:cSld>
+    <p:spTree>
+      <p:nvGrpSpPr>
+        <p:cNvPr id="1" name="">
+          <a:extLst>
+            <a:ext uri="{FF2B5EF4-FFF2-40B4-BE49-F238E27FC236}">
+              <a16:creationId xmlns:a16="http://schemas.microsoft.com/office/drawing/2014/main" id="{1C218A34-26DD-BFD0-33E8-44CC716C8E0F}"/>
+            </a:ext>
+          </a:extLst>
+        </p:cNvPr>
+        <p:cNvGrpSpPr/>
+        <p:nvPr/>
+      </p:nvGrpSpPr>
+      <p:grpSpPr>
+        <a:xfrm>
+          <a:off x="0" y="0"/>
+          <a:ext cx="0" cy="0"/>
+          <a:chOff x="0" y="0"/>
+          <a:chExt cx="0" cy="0"/>
+        </a:xfrm>
+      </p:grpSpPr>
+      <p:sp>
+        <p:nvSpPr>
+          <p:cNvPr id="2" name="슬라이드 이미지 개체 틀 1">
+            <a:extLst>
+              <a:ext uri="{FF2B5EF4-FFF2-40B4-BE49-F238E27FC236}">
+                <a16:creationId xmlns:a16="http://schemas.microsoft.com/office/drawing/2014/main" id="{F8038A76-C910-22E0-C853-DE7E0DE1FFBB}"/>
+              </a:ext>
+            </a:extLst>
+          </p:cNvPr>
+          <p:cNvSpPr>
+            <a:spLocks noGrp="1" noRot="1" noChangeAspect="1"/>
+          </p:cNvSpPr>
+          <p:nvPr>
+            <p:ph type="sldImg"/>
+          </p:nvPr>
+        </p:nvSpPr>
+        <p:spPr/>
+      </p:sp>
+      <p:sp>
+        <p:nvSpPr>
+          <p:cNvPr id="3" name="슬라이드 노트 개체 틀 2">
+            <a:extLst>
+              <a:ext uri="{FF2B5EF4-FFF2-40B4-BE49-F238E27FC236}">
+                <a16:creationId xmlns:a16="http://schemas.microsoft.com/office/drawing/2014/main" id="{CAE00994-3FFA-8A10-257B-0EAF7329F227}"/>
+              </a:ext>
+            </a:extLst>
+          </p:cNvPr>
+          <p:cNvSpPr>
+            <a:spLocks noGrp="1"/>
+          </p:cNvSpPr>
+          <p:nvPr>
+            <p:ph type="body" idx="1"/>
+          </p:nvPr>
+        </p:nvSpPr>
+        <p:spPr/>
+        <p:txBody>
+          <a:bodyPr/>
+          <a:lstStyle/>
+          <a:p>
+            <a:endParaRPr lang="en-US" altLang="ko-KR" dirty="0"/>
+          </a:p>
+        </p:txBody>
+      </p:sp>
+      <p:sp>
+        <p:nvSpPr>
+          <p:cNvPr id="4" name="슬라이드 번호 개체 틀 3">
+            <a:extLst>
+              <a:ext uri="{FF2B5EF4-FFF2-40B4-BE49-F238E27FC236}">
+                <a16:creationId xmlns:a16="http://schemas.microsoft.com/office/drawing/2014/main" id="{C14C8753-6D27-4061-3643-55EE7230A84B}"/>
+              </a:ext>
+            </a:extLst>
+          </p:cNvPr>
+          <p:cNvSpPr>
+            <a:spLocks noGrp="1"/>
+          </p:cNvSpPr>
+          <p:nvPr>
+            <p:ph type="sldNum" sz="quarter" idx="5"/>
+          </p:nvPr>
+        </p:nvSpPr>
+        <p:spPr/>
+        <p:txBody>
+          <a:bodyPr/>
+          <a:lstStyle/>
+          <a:p>
+            <a:fld id="{953A185D-3EAB-4307-AC60-15F02B21E81C}" type="slidenum">
+              <a:rPr lang="ko-KR" altLang="en-US" smtClean="0"/>
+              <a:t>21</a:t>
+            </a:fld>
+            <a:endParaRPr lang="ko-KR" altLang="en-US"/>
+          </a:p>
+        </p:txBody>
+      </p:sp>
+    </p:spTree>
+    <p:extLst>
+      <p:ext uri="{BB962C8B-B14F-4D97-AF65-F5344CB8AC3E}">
+        <p14:creationId xmlns:p14="http://schemas.microsoft.com/office/powerpoint/2010/main" val="2557134944"/>
+      </p:ext>
+    </p:extLst>
+  </p:cSld>
+  <p:clrMapOvr>
+    <a:masterClrMapping/>
+  </p:clrMapOvr>
+</p:notes>
+</file>
+
+<file path=ppt/notesSlides/notesSlide22.xml><?xml version="1.0" encoding="utf-8"?>
+<p:notes xmlns:a="http://schemas.openxmlformats.org/drawingml/2006/main" xmlns:r="http://schemas.openxmlformats.org/officeDocument/2006/relationships" xmlns:p="http://schemas.openxmlformats.org/presentationml/2006/main">
+  <p:cSld>
+    <p:spTree>
+      <p:nvGrpSpPr>
+        <p:cNvPr id="1" name="">
+          <a:extLst>
+            <a:ext uri="{FF2B5EF4-FFF2-40B4-BE49-F238E27FC236}">
+              <a16:creationId xmlns:a16="http://schemas.microsoft.com/office/drawing/2014/main" id="{7506ADF6-0CD2-A425-1497-EA9C3A9568BB}"/>
+            </a:ext>
+          </a:extLst>
+        </p:cNvPr>
+        <p:cNvGrpSpPr/>
+        <p:nvPr/>
+      </p:nvGrpSpPr>
+      <p:grpSpPr>
+        <a:xfrm>
+          <a:off x="0" y="0"/>
+          <a:ext cx="0" cy="0"/>
+          <a:chOff x="0" y="0"/>
+          <a:chExt cx="0" cy="0"/>
+        </a:xfrm>
+      </p:grpSpPr>
+      <p:sp>
+        <p:nvSpPr>
+          <p:cNvPr id="2" name="슬라이드 이미지 개체 틀 1">
+            <a:extLst>
+              <a:ext uri="{FF2B5EF4-FFF2-40B4-BE49-F238E27FC236}">
+                <a16:creationId xmlns:a16="http://schemas.microsoft.com/office/drawing/2014/main" id="{9BFD724D-2E11-1FF5-BD23-00CB555858CC}"/>
+              </a:ext>
+            </a:extLst>
+          </p:cNvPr>
+          <p:cNvSpPr>
+            <a:spLocks noGrp="1" noRot="1" noChangeAspect="1"/>
+          </p:cNvSpPr>
+          <p:nvPr>
+            <p:ph type="sldImg"/>
+          </p:nvPr>
+        </p:nvSpPr>
+        <p:spPr/>
+      </p:sp>
+      <p:sp>
+        <p:nvSpPr>
+          <p:cNvPr id="3" name="슬라이드 노트 개체 틀 2">
+            <a:extLst>
+              <a:ext uri="{FF2B5EF4-FFF2-40B4-BE49-F238E27FC236}">
+                <a16:creationId xmlns:a16="http://schemas.microsoft.com/office/drawing/2014/main" id="{4C4E5B9A-AA68-F963-DD71-1080D1684C69}"/>
+              </a:ext>
+            </a:extLst>
+          </p:cNvPr>
+          <p:cNvSpPr>
+            <a:spLocks noGrp="1"/>
+          </p:cNvSpPr>
+          <p:nvPr>
+            <p:ph type="body" idx="1"/>
+          </p:nvPr>
+        </p:nvSpPr>
+        <p:spPr/>
+        <p:txBody>
+          <a:bodyPr/>
+          <a:lstStyle/>
+          <a:p>
+            <a:endParaRPr lang="en-US" altLang="ko-KR" dirty="0"/>
+          </a:p>
+        </p:txBody>
+      </p:sp>
+      <p:sp>
+        <p:nvSpPr>
+          <p:cNvPr id="4" name="슬라이드 번호 개체 틀 3">
+            <a:extLst>
+              <a:ext uri="{FF2B5EF4-FFF2-40B4-BE49-F238E27FC236}">
+                <a16:creationId xmlns:a16="http://schemas.microsoft.com/office/drawing/2014/main" id="{364F9B0E-8281-46E3-B63F-A5F660867B62}"/>
+              </a:ext>
+            </a:extLst>
+          </p:cNvPr>
+          <p:cNvSpPr>
+            <a:spLocks noGrp="1"/>
+          </p:cNvSpPr>
+          <p:nvPr>
+            <p:ph type="sldNum" sz="quarter" idx="5"/>
+          </p:nvPr>
+        </p:nvSpPr>
+        <p:spPr/>
+        <p:txBody>
+          <a:bodyPr/>
+          <a:lstStyle/>
+          <a:p>
+            <a:fld id="{953A185D-3EAB-4307-AC60-15F02B21E81C}" type="slidenum">
+              <a:rPr lang="ko-KR" altLang="en-US" smtClean="0"/>
+              <a:t>22</a:t>
+            </a:fld>
+            <a:endParaRPr lang="ko-KR" altLang="en-US"/>
+          </a:p>
+        </p:txBody>
+      </p:sp>
+    </p:spTree>
+    <p:extLst>
+      <p:ext uri="{BB962C8B-B14F-4D97-AF65-F5344CB8AC3E}">
+        <p14:creationId xmlns:p14="http://schemas.microsoft.com/office/powerpoint/2010/main" val="3669704384"/>
+      </p:ext>
+    </p:extLst>
+  </p:cSld>
+  <p:clrMapOvr>
+    <a:masterClrMapping/>
+  </p:clrMapOvr>
+</p:notes>
+</file>
+
+<file path=ppt/notesSlides/notesSlide23.xml><?xml version="1.0" encoding="utf-8"?>
+<p:notes xmlns:a="http://schemas.openxmlformats.org/drawingml/2006/main" xmlns:r="http://schemas.openxmlformats.org/officeDocument/2006/relationships" xmlns:p="http://schemas.openxmlformats.org/presentationml/2006/main">
+  <p:cSld>
+    <p:spTree>
+      <p:nvGrpSpPr>
+        <p:cNvPr id="1" name="">
+          <a:extLst>
+            <a:ext uri="{FF2B5EF4-FFF2-40B4-BE49-F238E27FC236}">
               <a16:creationId xmlns:a16="http://schemas.microsoft.com/office/drawing/2014/main" id="{DC2FFB88-DD37-C383-7DBF-41100985E35A}"/>
             </a:ext>
           </a:extLst>
@@ -1903,7 +2230,7 @@
           <a:p>
             <a:fld id="{953A185D-3EAB-4307-AC60-15F02B21E81C}" type="slidenum">
               <a:rPr lang="ko-KR" altLang="en-US" smtClean="0"/>
-              <a:t>20</a:t>
+              <a:t>23</a:t>
             </a:fld>
             <a:endParaRPr lang="ko-KR" altLang="en-US"/>
           </a:p>
@@ -1922,7 +2249,7 @@
 </p:notes>
 </file>
 
-<file path=ppt/notesSlides/notesSlide21.xml><?xml version="1.0" encoding="utf-8"?>
+<file path=ppt/notesSlides/notesSlide24.xml><?xml version="1.0" encoding="utf-8"?>
 <p:notes xmlns:a="http://schemas.openxmlformats.org/drawingml/2006/main" xmlns:r="http://schemas.openxmlformats.org/officeDocument/2006/relationships" xmlns:p="http://schemas.openxmlformats.org/presentationml/2006/main">
   <p:cSld>
     <p:spTree>
@@ -2011,7 +2338,7 @@
           <a:p>
             <a:fld id="{953A185D-3EAB-4307-AC60-15F02B21E81C}" type="slidenum">
               <a:rPr lang="ko-KR" altLang="en-US" smtClean="0"/>
-              <a:t>21</a:t>
+              <a:t>24</a:t>
             </a:fld>
             <a:endParaRPr lang="ko-KR" altLang="en-US"/>
           </a:p>
@@ -2030,7 +2357,7 @@
 </p:notes>
 </file>
 
-<file path=ppt/notesSlides/notesSlide22.xml><?xml version="1.0" encoding="utf-8"?>
+<file path=ppt/notesSlides/notesSlide25.xml><?xml version="1.0" encoding="utf-8"?>
 <p:notes xmlns:a="http://schemas.openxmlformats.org/drawingml/2006/main" xmlns:r="http://schemas.openxmlformats.org/officeDocument/2006/relationships" xmlns:p="http://schemas.openxmlformats.org/presentationml/2006/main">
   <p:cSld>
     <p:spTree>
@@ -2119,7 +2446,7 @@
           <a:p>
             <a:fld id="{953A185D-3EAB-4307-AC60-15F02B21E81C}" type="slidenum">
               <a:rPr lang="ko-KR" altLang="en-US" smtClean="0"/>
-              <a:t>22</a:t>
+              <a:t>25</a:t>
             </a:fld>
             <a:endParaRPr lang="ko-KR" altLang="en-US"/>
           </a:p>
@@ -2138,7 +2465,7 @@
 </p:notes>
 </file>
 
-<file path=ppt/notesSlides/notesSlide23.xml><?xml version="1.0" encoding="utf-8"?>
+<file path=ppt/notesSlides/notesSlide26.xml><?xml version="1.0" encoding="utf-8"?>
 <p:notes xmlns:a="http://schemas.openxmlformats.org/drawingml/2006/main" xmlns:r="http://schemas.openxmlformats.org/officeDocument/2006/relationships" xmlns:p="http://schemas.openxmlformats.org/presentationml/2006/main">
   <p:cSld>
     <p:spTree>
@@ -2227,7 +2554,7 @@
           <a:p>
             <a:fld id="{953A185D-3EAB-4307-AC60-15F02B21E81C}" type="slidenum">
               <a:rPr lang="ko-KR" altLang="en-US" smtClean="0"/>
-              <a:t>23</a:t>
+              <a:t>26</a:t>
             </a:fld>
             <a:endParaRPr lang="ko-KR" altLang="en-US"/>
           </a:p>
@@ -2246,7 +2573,7 @@
 </p:notes>
 </file>
 
-<file path=ppt/notesSlides/notesSlide24.xml><?xml version="1.0" encoding="utf-8"?>
+<file path=ppt/notesSlides/notesSlide27.xml><?xml version="1.0" encoding="utf-8"?>
 <p:notes xmlns:a="http://schemas.openxmlformats.org/drawingml/2006/main" xmlns:r="http://schemas.openxmlformats.org/officeDocument/2006/relationships" xmlns:p="http://schemas.openxmlformats.org/presentationml/2006/main">
   <p:cSld>
     <p:spTree>
@@ -2335,7 +2662,7 @@
           <a:p>
             <a:fld id="{953A185D-3EAB-4307-AC60-15F02B21E81C}" type="slidenum">
               <a:rPr lang="ko-KR" altLang="en-US" smtClean="0"/>
-              <a:t>24</a:t>
+              <a:t>27</a:t>
             </a:fld>
             <a:endParaRPr lang="ko-KR" altLang="en-US"/>
           </a:p>
@@ -2354,7 +2681,7 @@
 </p:notes>
 </file>
 
-<file path=ppt/notesSlides/notesSlide25.xml><?xml version="1.0" encoding="utf-8"?>
+<file path=ppt/notesSlides/notesSlide28.xml><?xml version="1.0" encoding="utf-8"?>
 <p:notes xmlns:a="http://schemas.openxmlformats.org/drawingml/2006/main" xmlns:r="http://schemas.openxmlformats.org/officeDocument/2006/relationships" xmlns:p="http://schemas.openxmlformats.org/presentationml/2006/main">
   <p:cSld>
     <p:spTree>
@@ -2443,7 +2770,7 @@
           <a:p>
             <a:fld id="{953A185D-3EAB-4307-AC60-15F02B21E81C}" type="slidenum">
               <a:rPr lang="ko-KR" altLang="en-US" smtClean="0"/>
-              <a:t>25</a:t>
+              <a:t>28</a:t>
             </a:fld>
             <a:endParaRPr lang="ko-KR" altLang="en-US"/>
           </a:p>
@@ -2462,7 +2789,7 @@
 </p:notes>
 </file>
 
-<file path=ppt/notesSlides/notesSlide26.xml><?xml version="1.0" encoding="utf-8"?>
+<file path=ppt/notesSlides/notesSlide29.xml><?xml version="1.0" encoding="utf-8"?>
 <p:notes xmlns:a="http://schemas.openxmlformats.org/drawingml/2006/main" xmlns:r="http://schemas.openxmlformats.org/officeDocument/2006/relationships" xmlns:p="http://schemas.openxmlformats.org/presentationml/2006/main">
   <p:cSld>
     <p:spTree>
@@ -2551,7 +2878,7 @@
           <a:p>
             <a:fld id="{953A185D-3EAB-4307-AC60-15F02B21E81C}" type="slidenum">
               <a:rPr lang="ko-KR" altLang="en-US" smtClean="0"/>
-              <a:t>26</a:t>
+              <a:t>29</a:t>
             </a:fld>
             <a:endParaRPr lang="ko-KR" altLang="en-US"/>
           </a:p>
@@ -2561,330 +2888,6 @@
     <p:extLst>
       <p:ext uri="{BB962C8B-B14F-4D97-AF65-F5344CB8AC3E}">
         <p14:creationId xmlns:p14="http://schemas.microsoft.com/office/powerpoint/2010/main" val="2702688835"/>
-      </p:ext>
-    </p:extLst>
-  </p:cSld>
-  <p:clrMapOvr>
-    <a:masterClrMapping/>
-  </p:clrMapOvr>
-</p:notes>
-</file>
-
-<file path=ppt/notesSlides/notesSlide27.xml><?xml version="1.0" encoding="utf-8"?>
-<p:notes xmlns:a="http://schemas.openxmlformats.org/drawingml/2006/main" xmlns:r="http://schemas.openxmlformats.org/officeDocument/2006/relationships" xmlns:p="http://schemas.openxmlformats.org/presentationml/2006/main">
-  <p:cSld>
-    <p:spTree>
-      <p:nvGrpSpPr>
-        <p:cNvPr id="1" name="">
-          <a:extLst>
-            <a:ext uri="{FF2B5EF4-FFF2-40B4-BE49-F238E27FC236}">
-              <a16:creationId xmlns:a16="http://schemas.microsoft.com/office/drawing/2014/main" id="{CDBA25F1-C8AF-CB17-06D1-81A77FD8BA32}"/>
-            </a:ext>
-          </a:extLst>
-        </p:cNvPr>
-        <p:cNvGrpSpPr/>
-        <p:nvPr/>
-      </p:nvGrpSpPr>
-      <p:grpSpPr>
-        <a:xfrm>
-          <a:off x="0" y="0"/>
-          <a:ext cx="0" cy="0"/>
-          <a:chOff x="0" y="0"/>
-          <a:chExt cx="0" cy="0"/>
-        </a:xfrm>
-      </p:grpSpPr>
-      <p:sp>
-        <p:nvSpPr>
-          <p:cNvPr id="2" name="슬라이드 이미지 개체 틀 1">
-            <a:extLst>
-              <a:ext uri="{FF2B5EF4-FFF2-40B4-BE49-F238E27FC236}">
-                <a16:creationId xmlns:a16="http://schemas.microsoft.com/office/drawing/2014/main" id="{84E483AE-0637-1911-7910-A0D4CE47B267}"/>
-              </a:ext>
-            </a:extLst>
-          </p:cNvPr>
-          <p:cNvSpPr>
-            <a:spLocks noGrp="1" noRot="1" noChangeAspect="1"/>
-          </p:cNvSpPr>
-          <p:nvPr>
-            <p:ph type="sldImg"/>
-          </p:nvPr>
-        </p:nvSpPr>
-        <p:spPr/>
-      </p:sp>
-      <p:sp>
-        <p:nvSpPr>
-          <p:cNvPr id="3" name="슬라이드 노트 개체 틀 2">
-            <a:extLst>
-              <a:ext uri="{FF2B5EF4-FFF2-40B4-BE49-F238E27FC236}">
-                <a16:creationId xmlns:a16="http://schemas.microsoft.com/office/drawing/2014/main" id="{5358F37E-54E5-E785-DAE8-797C9C5840B5}"/>
-              </a:ext>
-            </a:extLst>
-          </p:cNvPr>
-          <p:cNvSpPr>
-            <a:spLocks noGrp="1"/>
-          </p:cNvSpPr>
-          <p:nvPr>
-            <p:ph type="body" idx="1"/>
-          </p:nvPr>
-        </p:nvSpPr>
-        <p:spPr/>
-        <p:txBody>
-          <a:bodyPr/>
-          <a:lstStyle/>
-          <a:p>
-            <a:endParaRPr lang="en-US" altLang="ko-KR" dirty="0"/>
-          </a:p>
-        </p:txBody>
-      </p:sp>
-      <p:sp>
-        <p:nvSpPr>
-          <p:cNvPr id="4" name="슬라이드 번호 개체 틀 3">
-            <a:extLst>
-              <a:ext uri="{FF2B5EF4-FFF2-40B4-BE49-F238E27FC236}">
-                <a16:creationId xmlns:a16="http://schemas.microsoft.com/office/drawing/2014/main" id="{938266C5-993E-38CE-4CE7-8DF9F741AC07}"/>
-              </a:ext>
-            </a:extLst>
-          </p:cNvPr>
-          <p:cNvSpPr>
-            <a:spLocks noGrp="1"/>
-          </p:cNvSpPr>
-          <p:nvPr>
-            <p:ph type="sldNum" sz="quarter" idx="5"/>
-          </p:nvPr>
-        </p:nvSpPr>
-        <p:spPr/>
-        <p:txBody>
-          <a:bodyPr/>
-          <a:lstStyle/>
-          <a:p>
-            <a:fld id="{953A185D-3EAB-4307-AC60-15F02B21E81C}" type="slidenum">
-              <a:rPr lang="ko-KR" altLang="en-US" smtClean="0"/>
-              <a:t>27</a:t>
-            </a:fld>
-            <a:endParaRPr lang="ko-KR" altLang="en-US"/>
-          </a:p>
-        </p:txBody>
-      </p:sp>
-    </p:spTree>
-    <p:extLst>
-      <p:ext uri="{BB962C8B-B14F-4D97-AF65-F5344CB8AC3E}">
-        <p14:creationId xmlns:p14="http://schemas.microsoft.com/office/powerpoint/2010/main" val="3206390928"/>
-      </p:ext>
-    </p:extLst>
-  </p:cSld>
-  <p:clrMapOvr>
-    <a:masterClrMapping/>
-  </p:clrMapOvr>
-</p:notes>
-</file>
-
-<file path=ppt/notesSlides/notesSlide28.xml><?xml version="1.0" encoding="utf-8"?>
-<p:notes xmlns:a="http://schemas.openxmlformats.org/drawingml/2006/main" xmlns:r="http://schemas.openxmlformats.org/officeDocument/2006/relationships" xmlns:p="http://schemas.openxmlformats.org/presentationml/2006/main">
-  <p:cSld>
-    <p:spTree>
-      <p:nvGrpSpPr>
-        <p:cNvPr id="1" name="">
-          <a:extLst>
-            <a:ext uri="{FF2B5EF4-FFF2-40B4-BE49-F238E27FC236}">
-              <a16:creationId xmlns:a16="http://schemas.microsoft.com/office/drawing/2014/main" id="{86712B48-76B3-86B2-5608-286805FE7EC1}"/>
-            </a:ext>
-          </a:extLst>
-        </p:cNvPr>
-        <p:cNvGrpSpPr/>
-        <p:nvPr/>
-      </p:nvGrpSpPr>
-      <p:grpSpPr>
-        <a:xfrm>
-          <a:off x="0" y="0"/>
-          <a:ext cx="0" cy="0"/>
-          <a:chOff x="0" y="0"/>
-          <a:chExt cx="0" cy="0"/>
-        </a:xfrm>
-      </p:grpSpPr>
-      <p:sp>
-        <p:nvSpPr>
-          <p:cNvPr id="2" name="슬라이드 이미지 개체 틀 1">
-            <a:extLst>
-              <a:ext uri="{FF2B5EF4-FFF2-40B4-BE49-F238E27FC236}">
-                <a16:creationId xmlns:a16="http://schemas.microsoft.com/office/drawing/2014/main" id="{6EC50222-06A5-05E7-E460-3AE357E873C9}"/>
-              </a:ext>
-            </a:extLst>
-          </p:cNvPr>
-          <p:cNvSpPr>
-            <a:spLocks noGrp="1" noRot="1" noChangeAspect="1"/>
-          </p:cNvSpPr>
-          <p:nvPr>
-            <p:ph type="sldImg"/>
-          </p:nvPr>
-        </p:nvSpPr>
-        <p:spPr/>
-      </p:sp>
-      <p:sp>
-        <p:nvSpPr>
-          <p:cNvPr id="3" name="슬라이드 노트 개체 틀 2">
-            <a:extLst>
-              <a:ext uri="{FF2B5EF4-FFF2-40B4-BE49-F238E27FC236}">
-                <a16:creationId xmlns:a16="http://schemas.microsoft.com/office/drawing/2014/main" id="{4A17EABD-17FA-BDF5-22D7-E10FBC51F32C}"/>
-              </a:ext>
-            </a:extLst>
-          </p:cNvPr>
-          <p:cNvSpPr>
-            <a:spLocks noGrp="1"/>
-          </p:cNvSpPr>
-          <p:nvPr>
-            <p:ph type="body" idx="1"/>
-          </p:nvPr>
-        </p:nvSpPr>
-        <p:spPr/>
-        <p:txBody>
-          <a:bodyPr/>
-          <a:lstStyle/>
-          <a:p>
-            <a:endParaRPr lang="en-US" altLang="ko-KR" dirty="0"/>
-          </a:p>
-        </p:txBody>
-      </p:sp>
-      <p:sp>
-        <p:nvSpPr>
-          <p:cNvPr id="4" name="슬라이드 번호 개체 틀 3">
-            <a:extLst>
-              <a:ext uri="{FF2B5EF4-FFF2-40B4-BE49-F238E27FC236}">
-                <a16:creationId xmlns:a16="http://schemas.microsoft.com/office/drawing/2014/main" id="{BB76C3F5-89C9-2F05-3A45-DCAFB9DBD4B1}"/>
-              </a:ext>
-            </a:extLst>
-          </p:cNvPr>
-          <p:cNvSpPr>
-            <a:spLocks noGrp="1"/>
-          </p:cNvSpPr>
-          <p:nvPr>
-            <p:ph type="sldNum" sz="quarter" idx="5"/>
-          </p:nvPr>
-        </p:nvSpPr>
-        <p:spPr/>
-        <p:txBody>
-          <a:bodyPr/>
-          <a:lstStyle/>
-          <a:p>
-            <a:fld id="{953A185D-3EAB-4307-AC60-15F02B21E81C}" type="slidenum">
-              <a:rPr lang="ko-KR" altLang="en-US" smtClean="0"/>
-              <a:t>28</a:t>
-            </a:fld>
-            <a:endParaRPr lang="ko-KR" altLang="en-US"/>
-          </a:p>
-        </p:txBody>
-      </p:sp>
-    </p:spTree>
-    <p:extLst>
-      <p:ext uri="{BB962C8B-B14F-4D97-AF65-F5344CB8AC3E}">
-        <p14:creationId xmlns:p14="http://schemas.microsoft.com/office/powerpoint/2010/main" val="3838261478"/>
-      </p:ext>
-    </p:extLst>
-  </p:cSld>
-  <p:clrMapOvr>
-    <a:masterClrMapping/>
-  </p:clrMapOvr>
-</p:notes>
-</file>
-
-<file path=ppt/notesSlides/notesSlide29.xml><?xml version="1.0" encoding="utf-8"?>
-<p:notes xmlns:a="http://schemas.openxmlformats.org/drawingml/2006/main" xmlns:r="http://schemas.openxmlformats.org/officeDocument/2006/relationships" xmlns:p="http://schemas.openxmlformats.org/presentationml/2006/main">
-  <p:cSld>
-    <p:spTree>
-      <p:nvGrpSpPr>
-        <p:cNvPr id="1" name="">
-          <a:extLst>
-            <a:ext uri="{FF2B5EF4-FFF2-40B4-BE49-F238E27FC236}">
-              <a16:creationId xmlns:a16="http://schemas.microsoft.com/office/drawing/2014/main" id="{117D4C03-F330-0AE8-DA30-532CFDC34924}"/>
-            </a:ext>
-          </a:extLst>
-        </p:cNvPr>
-        <p:cNvGrpSpPr/>
-        <p:nvPr/>
-      </p:nvGrpSpPr>
-      <p:grpSpPr>
-        <a:xfrm>
-          <a:off x="0" y="0"/>
-          <a:ext cx="0" cy="0"/>
-          <a:chOff x="0" y="0"/>
-          <a:chExt cx="0" cy="0"/>
-        </a:xfrm>
-      </p:grpSpPr>
-      <p:sp>
-        <p:nvSpPr>
-          <p:cNvPr id="2" name="슬라이드 이미지 개체 틀 1">
-            <a:extLst>
-              <a:ext uri="{FF2B5EF4-FFF2-40B4-BE49-F238E27FC236}">
-                <a16:creationId xmlns:a16="http://schemas.microsoft.com/office/drawing/2014/main" id="{EAA6E562-2DDF-C398-A40A-4B0A1F337B25}"/>
-              </a:ext>
-            </a:extLst>
-          </p:cNvPr>
-          <p:cNvSpPr>
-            <a:spLocks noGrp="1" noRot="1" noChangeAspect="1"/>
-          </p:cNvSpPr>
-          <p:nvPr>
-            <p:ph type="sldImg"/>
-          </p:nvPr>
-        </p:nvSpPr>
-        <p:spPr/>
-      </p:sp>
-      <p:sp>
-        <p:nvSpPr>
-          <p:cNvPr id="3" name="슬라이드 노트 개체 틀 2">
-            <a:extLst>
-              <a:ext uri="{FF2B5EF4-FFF2-40B4-BE49-F238E27FC236}">
-                <a16:creationId xmlns:a16="http://schemas.microsoft.com/office/drawing/2014/main" id="{B85351F7-F7A0-1854-45DC-79F5EAA13D48}"/>
-              </a:ext>
-            </a:extLst>
-          </p:cNvPr>
-          <p:cNvSpPr>
-            <a:spLocks noGrp="1"/>
-          </p:cNvSpPr>
-          <p:nvPr>
-            <p:ph type="body" idx="1"/>
-          </p:nvPr>
-        </p:nvSpPr>
-        <p:spPr/>
-        <p:txBody>
-          <a:bodyPr/>
-          <a:lstStyle/>
-          <a:p>
-            <a:endParaRPr lang="en-US" altLang="ko-KR" dirty="0"/>
-          </a:p>
-        </p:txBody>
-      </p:sp>
-      <p:sp>
-        <p:nvSpPr>
-          <p:cNvPr id="4" name="슬라이드 번호 개체 틀 3">
-            <a:extLst>
-              <a:ext uri="{FF2B5EF4-FFF2-40B4-BE49-F238E27FC236}">
-                <a16:creationId xmlns:a16="http://schemas.microsoft.com/office/drawing/2014/main" id="{80C69377-08F9-6855-0C5B-F6A1B3514A84}"/>
-              </a:ext>
-            </a:extLst>
-          </p:cNvPr>
-          <p:cNvSpPr>
-            <a:spLocks noGrp="1"/>
-          </p:cNvSpPr>
-          <p:nvPr>
-            <p:ph type="sldNum" sz="quarter" idx="5"/>
-          </p:nvPr>
-        </p:nvSpPr>
-        <p:spPr/>
-        <p:txBody>
-          <a:bodyPr/>
-          <a:lstStyle/>
-          <a:p>
-            <a:fld id="{953A185D-3EAB-4307-AC60-15F02B21E81C}" type="slidenum">
-              <a:rPr lang="ko-KR" altLang="en-US" smtClean="0"/>
-              <a:t>29</a:t>
-            </a:fld>
-            <a:endParaRPr lang="ko-KR" altLang="en-US"/>
-          </a:p>
-        </p:txBody>
-      </p:sp>
-    </p:spTree>
-    <p:extLst>
-      <p:ext uri="{BB962C8B-B14F-4D97-AF65-F5344CB8AC3E}">
-        <p14:creationId xmlns:p14="http://schemas.microsoft.com/office/powerpoint/2010/main" val="95674255"/>
       </p:ext>
     </p:extLst>
   </p:cSld>
@@ -2993,6 +2996,330 @@
     <p:extLst>
       <p:ext uri="{BB962C8B-B14F-4D97-AF65-F5344CB8AC3E}">
         <p14:creationId xmlns:p14="http://schemas.microsoft.com/office/powerpoint/2010/main" val="2660632012"/>
+      </p:ext>
+    </p:extLst>
+  </p:cSld>
+  <p:clrMapOvr>
+    <a:masterClrMapping/>
+  </p:clrMapOvr>
+</p:notes>
+</file>
+
+<file path=ppt/notesSlides/notesSlide30.xml><?xml version="1.0" encoding="utf-8"?>
+<p:notes xmlns:a="http://schemas.openxmlformats.org/drawingml/2006/main" xmlns:r="http://schemas.openxmlformats.org/officeDocument/2006/relationships" xmlns:p="http://schemas.openxmlformats.org/presentationml/2006/main">
+  <p:cSld>
+    <p:spTree>
+      <p:nvGrpSpPr>
+        <p:cNvPr id="1" name="">
+          <a:extLst>
+            <a:ext uri="{FF2B5EF4-FFF2-40B4-BE49-F238E27FC236}">
+              <a16:creationId xmlns:a16="http://schemas.microsoft.com/office/drawing/2014/main" id="{CDBA25F1-C8AF-CB17-06D1-81A77FD8BA32}"/>
+            </a:ext>
+          </a:extLst>
+        </p:cNvPr>
+        <p:cNvGrpSpPr/>
+        <p:nvPr/>
+      </p:nvGrpSpPr>
+      <p:grpSpPr>
+        <a:xfrm>
+          <a:off x="0" y="0"/>
+          <a:ext cx="0" cy="0"/>
+          <a:chOff x="0" y="0"/>
+          <a:chExt cx="0" cy="0"/>
+        </a:xfrm>
+      </p:grpSpPr>
+      <p:sp>
+        <p:nvSpPr>
+          <p:cNvPr id="2" name="슬라이드 이미지 개체 틀 1">
+            <a:extLst>
+              <a:ext uri="{FF2B5EF4-FFF2-40B4-BE49-F238E27FC236}">
+                <a16:creationId xmlns:a16="http://schemas.microsoft.com/office/drawing/2014/main" id="{84E483AE-0637-1911-7910-A0D4CE47B267}"/>
+              </a:ext>
+            </a:extLst>
+          </p:cNvPr>
+          <p:cNvSpPr>
+            <a:spLocks noGrp="1" noRot="1" noChangeAspect="1"/>
+          </p:cNvSpPr>
+          <p:nvPr>
+            <p:ph type="sldImg"/>
+          </p:nvPr>
+        </p:nvSpPr>
+        <p:spPr/>
+      </p:sp>
+      <p:sp>
+        <p:nvSpPr>
+          <p:cNvPr id="3" name="슬라이드 노트 개체 틀 2">
+            <a:extLst>
+              <a:ext uri="{FF2B5EF4-FFF2-40B4-BE49-F238E27FC236}">
+                <a16:creationId xmlns:a16="http://schemas.microsoft.com/office/drawing/2014/main" id="{5358F37E-54E5-E785-DAE8-797C9C5840B5}"/>
+              </a:ext>
+            </a:extLst>
+          </p:cNvPr>
+          <p:cNvSpPr>
+            <a:spLocks noGrp="1"/>
+          </p:cNvSpPr>
+          <p:nvPr>
+            <p:ph type="body" idx="1"/>
+          </p:nvPr>
+        </p:nvSpPr>
+        <p:spPr/>
+        <p:txBody>
+          <a:bodyPr/>
+          <a:lstStyle/>
+          <a:p>
+            <a:endParaRPr lang="en-US" altLang="ko-KR" dirty="0"/>
+          </a:p>
+        </p:txBody>
+      </p:sp>
+      <p:sp>
+        <p:nvSpPr>
+          <p:cNvPr id="4" name="슬라이드 번호 개체 틀 3">
+            <a:extLst>
+              <a:ext uri="{FF2B5EF4-FFF2-40B4-BE49-F238E27FC236}">
+                <a16:creationId xmlns:a16="http://schemas.microsoft.com/office/drawing/2014/main" id="{938266C5-993E-38CE-4CE7-8DF9F741AC07}"/>
+              </a:ext>
+            </a:extLst>
+          </p:cNvPr>
+          <p:cNvSpPr>
+            <a:spLocks noGrp="1"/>
+          </p:cNvSpPr>
+          <p:nvPr>
+            <p:ph type="sldNum" sz="quarter" idx="5"/>
+          </p:nvPr>
+        </p:nvSpPr>
+        <p:spPr/>
+        <p:txBody>
+          <a:bodyPr/>
+          <a:lstStyle/>
+          <a:p>
+            <a:fld id="{953A185D-3EAB-4307-AC60-15F02B21E81C}" type="slidenum">
+              <a:rPr lang="ko-KR" altLang="en-US" smtClean="0"/>
+              <a:t>30</a:t>
+            </a:fld>
+            <a:endParaRPr lang="ko-KR" altLang="en-US"/>
+          </a:p>
+        </p:txBody>
+      </p:sp>
+    </p:spTree>
+    <p:extLst>
+      <p:ext uri="{BB962C8B-B14F-4D97-AF65-F5344CB8AC3E}">
+        <p14:creationId xmlns:p14="http://schemas.microsoft.com/office/powerpoint/2010/main" val="3206390928"/>
+      </p:ext>
+    </p:extLst>
+  </p:cSld>
+  <p:clrMapOvr>
+    <a:masterClrMapping/>
+  </p:clrMapOvr>
+</p:notes>
+</file>
+
+<file path=ppt/notesSlides/notesSlide31.xml><?xml version="1.0" encoding="utf-8"?>
+<p:notes xmlns:a="http://schemas.openxmlformats.org/drawingml/2006/main" xmlns:r="http://schemas.openxmlformats.org/officeDocument/2006/relationships" xmlns:p="http://schemas.openxmlformats.org/presentationml/2006/main">
+  <p:cSld>
+    <p:spTree>
+      <p:nvGrpSpPr>
+        <p:cNvPr id="1" name="">
+          <a:extLst>
+            <a:ext uri="{FF2B5EF4-FFF2-40B4-BE49-F238E27FC236}">
+              <a16:creationId xmlns:a16="http://schemas.microsoft.com/office/drawing/2014/main" id="{86712B48-76B3-86B2-5608-286805FE7EC1}"/>
+            </a:ext>
+          </a:extLst>
+        </p:cNvPr>
+        <p:cNvGrpSpPr/>
+        <p:nvPr/>
+      </p:nvGrpSpPr>
+      <p:grpSpPr>
+        <a:xfrm>
+          <a:off x="0" y="0"/>
+          <a:ext cx="0" cy="0"/>
+          <a:chOff x="0" y="0"/>
+          <a:chExt cx="0" cy="0"/>
+        </a:xfrm>
+      </p:grpSpPr>
+      <p:sp>
+        <p:nvSpPr>
+          <p:cNvPr id="2" name="슬라이드 이미지 개체 틀 1">
+            <a:extLst>
+              <a:ext uri="{FF2B5EF4-FFF2-40B4-BE49-F238E27FC236}">
+                <a16:creationId xmlns:a16="http://schemas.microsoft.com/office/drawing/2014/main" id="{6EC50222-06A5-05E7-E460-3AE357E873C9}"/>
+              </a:ext>
+            </a:extLst>
+          </p:cNvPr>
+          <p:cNvSpPr>
+            <a:spLocks noGrp="1" noRot="1" noChangeAspect="1"/>
+          </p:cNvSpPr>
+          <p:nvPr>
+            <p:ph type="sldImg"/>
+          </p:nvPr>
+        </p:nvSpPr>
+        <p:spPr/>
+      </p:sp>
+      <p:sp>
+        <p:nvSpPr>
+          <p:cNvPr id="3" name="슬라이드 노트 개체 틀 2">
+            <a:extLst>
+              <a:ext uri="{FF2B5EF4-FFF2-40B4-BE49-F238E27FC236}">
+                <a16:creationId xmlns:a16="http://schemas.microsoft.com/office/drawing/2014/main" id="{4A17EABD-17FA-BDF5-22D7-E10FBC51F32C}"/>
+              </a:ext>
+            </a:extLst>
+          </p:cNvPr>
+          <p:cNvSpPr>
+            <a:spLocks noGrp="1"/>
+          </p:cNvSpPr>
+          <p:nvPr>
+            <p:ph type="body" idx="1"/>
+          </p:nvPr>
+        </p:nvSpPr>
+        <p:spPr/>
+        <p:txBody>
+          <a:bodyPr/>
+          <a:lstStyle/>
+          <a:p>
+            <a:endParaRPr lang="en-US" altLang="ko-KR" dirty="0"/>
+          </a:p>
+        </p:txBody>
+      </p:sp>
+      <p:sp>
+        <p:nvSpPr>
+          <p:cNvPr id="4" name="슬라이드 번호 개체 틀 3">
+            <a:extLst>
+              <a:ext uri="{FF2B5EF4-FFF2-40B4-BE49-F238E27FC236}">
+                <a16:creationId xmlns:a16="http://schemas.microsoft.com/office/drawing/2014/main" id="{BB76C3F5-89C9-2F05-3A45-DCAFB9DBD4B1}"/>
+              </a:ext>
+            </a:extLst>
+          </p:cNvPr>
+          <p:cNvSpPr>
+            <a:spLocks noGrp="1"/>
+          </p:cNvSpPr>
+          <p:nvPr>
+            <p:ph type="sldNum" sz="quarter" idx="5"/>
+          </p:nvPr>
+        </p:nvSpPr>
+        <p:spPr/>
+        <p:txBody>
+          <a:bodyPr/>
+          <a:lstStyle/>
+          <a:p>
+            <a:fld id="{953A185D-3EAB-4307-AC60-15F02B21E81C}" type="slidenum">
+              <a:rPr lang="ko-KR" altLang="en-US" smtClean="0"/>
+              <a:t>31</a:t>
+            </a:fld>
+            <a:endParaRPr lang="ko-KR" altLang="en-US"/>
+          </a:p>
+        </p:txBody>
+      </p:sp>
+    </p:spTree>
+    <p:extLst>
+      <p:ext uri="{BB962C8B-B14F-4D97-AF65-F5344CB8AC3E}">
+        <p14:creationId xmlns:p14="http://schemas.microsoft.com/office/powerpoint/2010/main" val="3838261478"/>
+      </p:ext>
+    </p:extLst>
+  </p:cSld>
+  <p:clrMapOvr>
+    <a:masterClrMapping/>
+  </p:clrMapOvr>
+</p:notes>
+</file>
+
+<file path=ppt/notesSlides/notesSlide32.xml><?xml version="1.0" encoding="utf-8"?>
+<p:notes xmlns:a="http://schemas.openxmlformats.org/drawingml/2006/main" xmlns:r="http://schemas.openxmlformats.org/officeDocument/2006/relationships" xmlns:p="http://schemas.openxmlformats.org/presentationml/2006/main">
+  <p:cSld>
+    <p:spTree>
+      <p:nvGrpSpPr>
+        <p:cNvPr id="1" name="">
+          <a:extLst>
+            <a:ext uri="{FF2B5EF4-FFF2-40B4-BE49-F238E27FC236}">
+              <a16:creationId xmlns:a16="http://schemas.microsoft.com/office/drawing/2014/main" id="{117D4C03-F330-0AE8-DA30-532CFDC34924}"/>
+            </a:ext>
+          </a:extLst>
+        </p:cNvPr>
+        <p:cNvGrpSpPr/>
+        <p:nvPr/>
+      </p:nvGrpSpPr>
+      <p:grpSpPr>
+        <a:xfrm>
+          <a:off x="0" y="0"/>
+          <a:ext cx="0" cy="0"/>
+          <a:chOff x="0" y="0"/>
+          <a:chExt cx="0" cy="0"/>
+        </a:xfrm>
+      </p:grpSpPr>
+      <p:sp>
+        <p:nvSpPr>
+          <p:cNvPr id="2" name="슬라이드 이미지 개체 틀 1">
+            <a:extLst>
+              <a:ext uri="{FF2B5EF4-FFF2-40B4-BE49-F238E27FC236}">
+                <a16:creationId xmlns:a16="http://schemas.microsoft.com/office/drawing/2014/main" id="{EAA6E562-2DDF-C398-A40A-4B0A1F337B25}"/>
+              </a:ext>
+            </a:extLst>
+          </p:cNvPr>
+          <p:cNvSpPr>
+            <a:spLocks noGrp="1" noRot="1" noChangeAspect="1"/>
+          </p:cNvSpPr>
+          <p:nvPr>
+            <p:ph type="sldImg"/>
+          </p:nvPr>
+        </p:nvSpPr>
+        <p:spPr/>
+      </p:sp>
+      <p:sp>
+        <p:nvSpPr>
+          <p:cNvPr id="3" name="슬라이드 노트 개체 틀 2">
+            <a:extLst>
+              <a:ext uri="{FF2B5EF4-FFF2-40B4-BE49-F238E27FC236}">
+                <a16:creationId xmlns:a16="http://schemas.microsoft.com/office/drawing/2014/main" id="{B85351F7-F7A0-1854-45DC-79F5EAA13D48}"/>
+              </a:ext>
+            </a:extLst>
+          </p:cNvPr>
+          <p:cNvSpPr>
+            <a:spLocks noGrp="1"/>
+          </p:cNvSpPr>
+          <p:nvPr>
+            <p:ph type="body" idx="1"/>
+          </p:nvPr>
+        </p:nvSpPr>
+        <p:spPr/>
+        <p:txBody>
+          <a:bodyPr/>
+          <a:lstStyle/>
+          <a:p>
+            <a:endParaRPr lang="en-US" altLang="ko-KR" dirty="0"/>
+          </a:p>
+        </p:txBody>
+      </p:sp>
+      <p:sp>
+        <p:nvSpPr>
+          <p:cNvPr id="4" name="슬라이드 번호 개체 틀 3">
+            <a:extLst>
+              <a:ext uri="{FF2B5EF4-FFF2-40B4-BE49-F238E27FC236}">
+                <a16:creationId xmlns:a16="http://schemas.microsoft.com/office/drawing/2014/main" id="{80C69377-08F9-6855-0C5B-F6A1B3514A84}"/>
+              </a:ext>
+            </a:extLst>
+          </p:cNvPr>
+          <p:cNvSpPr>
+            <a:spLocks noGrp="1"/>
+          </p:cNvSpPr>
+          <p:nvPr>
+            <p:ph type="sldNum" sz="quarter" idx="5"/>
+          </p:nvPr>
+        </p:nvSpPr>
+        <p:spPr/>
+        <p:txBody>
+          <a:bodyPr/>
+          <a:lstStyle/>
+          <a:p>
+            <a:fld id="{953A185D-3EAB-4307-AC60-15F02B21E81C}" type="slidenum">
+              <a:rPr lang="ko-KR" altLang="en-US" smtClean="0"/>
+              <a:t>32</a:t>
+            </a:fld>
+            <a:endParaRPr lang="ko-KR" altLang="en-US"/>
+          </a:p>
+        </p:txBody>
+      </p:sp>
+    </p:spTree>
+    <p:extLst>
+      <p:ext uri="{BB962C8B-B14F-4D97-AF65-F5344CB8AC3E}">
+        <p14:creationId xmlns:p14="http://schemas.microsoft.com/office/powerpoint/2010/main" val="95674255"/>
       </p:ext>
     </p:extLst>
   </p:cSld>
@@ -3811,7 +4138,7 @@
           <a:p>
             <a:fld id="{558D994C-3514-46A1-AF05-2759FC8F60FF}" type="datetimeFigureOut">
               <a:rPr lang="ko-KR" altLang="en-US" smtClean="0"/>
-              <a:t>2024-12-19</a:t>
+              <a:t>2025-01-03</a:t>
             </a:fld>
             <a:endParaRPr lang="ko-KR" altLang="en-US"/>
           </a:p>
@@ -4049,7 +4376,7 @@
           <a:p>
             <a:fld id="{558D994C-3514-46A1-AF05-2759FC8F60FF}" type="datetimeFigureOut">
               <a:rPr lang="ko-KR" altLang="en-US" smtClean="0"/>
-              <a:t>2024-12-19</a:t>
+              <a:t>2025-01-03</a:t>
             </a:fld>
             <a:endParaRPr lang="ko-KR" altLang="en-US"/>
           </a:p>
@@ -4287,7 +4614,7 @@
           <a:p>
             <a:fld id="{558D994C-3514-46A1-AF05-2759FC8F60FF}" type="datetimeFigureOut">
               <a:rPr lang="ko-KR" altLang="en-US" smtClean="0"/>
-              <a:t>2024-12-19</a:t>
+              <a:t>2025-01-03</a:t>
             </a:fld>
             <a:endParaRPr lang="ko-KR" altLang="en-US"/>
           </a:p>
@@ -4525,7 +4852,7 @@
           <a:p>
             <a:fld id="{558D994C-3514-46A1-AF05-2759FC8F60FF}" type="datetimeFigureOut">
               <a:rPr lang="ko-KR" altLang="en-US" smtClean="0"/>
-              <a:t>2024-12-19</a:t>
+              <a:t>2025-01-03</a:t>
             </a:fld>
             <a:endParaRPr lang="ko-KR" altLang="en-US"/>
           </a:p>
@@ -4830,7 +5157,7 @@
           <a:p>
             <a:fld id="{558D994C-3514-46A1-AF05-2759FC8F60FF}" type="datetimeFigureOut">
               <a:rPr lang="ko-KR" altLang="en-US" smtClean="0"/>
-              <a:t>2024-12-19</a:t>
+              <a:t>2025-01-03</a:t>
             </a:fld>
             <a:endParaRPr lang="ko-KR" altLang="en-US" dirty="0"/>
           </a:p>
@@ -5133,7 +5460,7 @@
           <a:p>
             <a:fld id="{558D994C-3514-46A1-AF05-2759FC8F60FF}" type="datetimeFigureOut">
               <a:rPr lang="ko-KR" altLang="en-US" smtClean="0"/>
-              <a:t>2024-12-19</a:t>
+              <a:t>2025-01-03</a:t>
             </a:fld>
             <a:endParaRPr lang="ko-KR" altLang="en-US"/>
           </a:p>
@@ -5584,7 +5911,7 @@
           <a:p>
             <a:fld id="{558D994C-3514-46A1-AF05-2759FC8F60FF}" type="datetimeFigureOut">
               <a:rPr lang="ko-KR" altLang="en-US" smtClean="0"/>
-              <a:t>2024-12-19</a:t>
+              <a:t>2025-01-03</a:t>
             </a:fld>
             <a:endParaRPr lang="ko-KR" altLang="en-US"/>
           </a:p>
@@ -5757,7 +6084,7 @@
           <a:p>
             <a:fld id="{558D994C-3514-46A1-AF05-2759FC8F60FF}" type="datetimeFigureOut">
               <a:rPr lang="ko-KR" altLang="en-US" smtClean="0"/>
-              <a:t>2024-12-19</a:t>
+              <a:t>2025-01-03</a:t>
             </a:fld>
             <a:endParaRPr lang="ko-KR" altLang="en-US"/>
           </a:p>
@@ -5894,7 +6221,7 @@
           <a:p>
             <a:fld id="{558D994C-3514-46A1-AF05-2759FC8F60FF}" type="datetimeFigureOut">
               <a:rPr lang="ko-KR" altLang="en-US" smtClean="0"/>
-              <a:t>2024-12-19</a:t>
+              <a:t>2025-01-03</a:t>
             </a:fld>
             <a:endParaRPr lang="ko-KR" altLang="en-US"/>
           </a:p>
@@ -6238,7 +6565,7 @@
           <a:p>
             <a:fld id="{558D994C-3514-46A1-AF05-2759FC8F60FF}" type="datetimeFigureOut">
               <a:rPr lang="ko-KR" altLang="en-US" smtClean="0"/>
-              <a:t>2024-12-19</a:t>
+              <a:t>2025-01-03</a:t>
             </a:fld>
             <a:endParaRPr lang="ko-KR" altLang="en-US"/>
           </a:p>
@@ -6559,7 +6886,7 @@
           <a:p>
             <a:fld id="{558D994C-3514-46A1-AF05-2759FC8F60FF}" type="datetimeFigureOut">
               <a:rPr lang="ko-KR" altLang="en-US" smtClean="0"/>
-              <a:t>2024-12-19</a:t>
+              <a:t>2025-01-03</a:t>
             </a:fld>
             <a:endParaRPr lang="ko-KR" altLang="en-US"/>
           </a:p>
@@ -7243,6 +7570,43 @@
           <a:chExt cx="0" cy="0"/>
         </a:xfrm>
       </p:grpSpPr>
+      <p:pic>
+        <p:nvPicPr>
+          <p:cNvPr id="3" name="그림 2">
+            <a:extLst>
+              <a:ext uri="{FF2B5EF4-FFF2-40B4-BE49-F238E27FC236}">
+                <a16:creationId xmlns:a16="http://schemas.microsoft.com/office/drawing/2014/main" id="{519F91BC-E5C1-20B0-5FC6-5842C6FDC115}"/>
+              </a:ext>
+            </a:extLst>
+          </p:cNvPr>
+          <p:cNvPicPr>
+            <a:picLocks noChangeAspect="1"/>
+          </p:cNvPicPr>
+          <p:nvPr/>
+        </p:nvPicPr>
+        <p:blipFill>
+          <a:blip r:embed="rId3"/>
+          <a:stretch>
+            <a:fillRect/>
+          </a:stretch>
+        </p:blipFill>
+        <p:spPr>
+          <a:xfrm>
+            <a:off x="1751012" y="0"/>
+            <a:ext cx="8689975" cy="5768975"/>
+          </a:xfrm>
+          <a:prstGeom prst="rect">
+            <a:avLst/>
+          </a:prstGeom>
+          <a:ln>
+            <a:solidFill>
+              <a:schemeClr val="bg1">
+                <a:lumMod val="65000"/>
+              </a:schemeClr>
+            </a:solidFill>
+          </a:ln>
+        </p:spPr>
+      </p:pic>
     </p:spTree>
     <p:extLst>
       <p:ext uri="{BB962C8B-B14F-4D97-AF65-F5344CB8AC3E}">
@@ -7279,6 +7643,66 @@
           <a:chExt cx="0" cy="0"/>
         </a:xfrm>
       </p:grpSpPr>
+      <p:pic>
+        <p:nvPicPr>
+          <p:cNvPr id="3" name="그림 2">
+            <a:extLst>
+              <a:ext uri="{FF2B5EF4-FFF2-40B4-BE49-F238E27FC236}">
+                <a16:creationId xmlns:a16="http://schemas.microsoft.com/office/drawing/2014/main" id="{247973B7-F5D6-A6DD-8D25-A686968D9272}"/>
+              </a:ext>
+            </a:extLst>
+          </p:cNvPr>
+          <p:cNvPicPr>
+            <a:picLocks noChangeAspect="1"/>
+          </p:cNvPicPr>
+          <p:nvPr/>
+        </p:nvPicPr>
+        <p:blipFill>
+          <a:blip r:embed="rId3"/>
+          <a:stretch>
+            <a:fillRect/>
+          </a:stretch>
+        </p:blipFill>
+        <p:spPr>
+          <a:xfrm>
+            <a:off x="1754664" y="0"/>
+            <a:ext cx="8682672" cy="5768975"/>
+          </a:xfrm>
+          <a:prstGeom prst="rect">
+            <a:avLst/>
+          </a:prstGeom>
+        </p:spPr>
+      </p:pic>
+      <p:pic>
+        <p:nvPicPr>
+          <p:cNvPr id="5" name="그림 4">
+            <a:extLst>
+              <a:ext uri="{FF2B5EF4-FFF2-40B4-BE49-F238E27FC236}">
+                <a16:creationId xmlns:a16="http://schemas.microsoft.com/office/drawing/2014/main" id="{BF4D6E0C-A8C5-9858-249F-D8E68EF43D4E}"/>
+              </a:ext>
+            </a:extLst>
+          </p:cNvPr>
+          <p:cNvPicPr>
+            <a:picLocks noChangeAspect="1"/>
+          </p:cNvPicPr>
+          <p:nvPr/>
+        </p:nvPicPr>
+        <p:blipFill>
+          <a:blip r:embed="rId4"/>
+          <a:stretch>
+            <a:fillRect/>
+          </a:stretch>
+        </p:blipFill>
+        <p:spPr>
+          <a:xfrm>
+            <a:off x="7344376" y="91283"/>
+            <a:ext cx="1933845" cy="5677692"/>
+          </a:xfrm>
+          <a:prstGeom prst="rect">
+            <a:avLst/>
+          </a:prstGeom>
+        </p:spPr>
+      </p:pic>
     </p:spTree>
     <p:extLst>
       <p:ext uri="{BB962C8B-B14F-4D97-AF65-F5344CB8AC3E}">
@@ -7315,6 +7739,99 @@
           <a:chExt cx="0" cy="0"/>
         </a:xfrm>
       </p:grpSpPr>
+      <p:grpSp>
+        <p:nvGrpSpPr>
+          <p:cNvPr id="4" name="그룹 3">
+            <a:extLst>
+              <a:ext uri="{FF2B5EF4-FFF2-40B4-BE49-F238E27FC236}">
+                <a16:creationId xmlns:a16="http://schemas.microsoft.com/office/drawing/2014/main" id="{B6E5FF7C-BC21-3637-EDD0-48B1BABA135E}"/>
+              </a:ext>
+            </a:extLst>
+          </p:cNvPr>
+          <p:cNvGrpSpPr/>
+          <p:nvPr/>
+        </p:nvGrpSpPr>
+        <p:grpSpPr>
+          <a:xfrm>
+            <a:off x="736179" y="320205"/>
+            <a:ext cx="10719641" cy="5138090"/>
+            <a:chOff x="691714" y="205786"/>
+            <a:chExt cx="11308508" cy="5366927"/>
+          </a:xfrm>
+        </p:grpSpPr>
+        <p:pic>
+          <p:nvPicPr>
+            <p:cNvPr id="2" name="그림 1">
+              <a:extLst>
+                <a:ext uri="{FF2B5EF4-FFF2-40B4-BE49-F238E27FC236}">
+                  <a16:creationId xmlns:a16="http://schemas.microsoft.com/office/drawing/2014/main" id="{254506A1-6F14-3D74-FF3D-81CD32CC718E}"/>
+                </a:ext>
+              </a:extLst>
+            </p:cNvPr>
+            <p:cNvPicPr>
+              <a:picLocks noChangeAspect="1"/>
+            </p:cNvPicPr>
+            <p:nvPr/>
+          </p:nvPicPr>
+          <p:blipFill>
+            <a:blip r:embed="rId3"/>
+            <a:srcRect r="47529"/>
+            <a:stretch/>
+          </p:blipFill>
+          <p:spPr>
+            <a:xfrm>
+              <a:off x="691714" y="205812"/>
+              <a:ext cx="5671380" cy="5366875"/>
+            </a:xfrm>
+            <a:prstGeom prst="rect">
+              <a:avLst/>
+            </a:prstGeom>
+            <a:ln>
+              <a:solidFill>
+                <a:schemeClr val="bg1">
+                  <a:lumMod val="65000"/>
+                </a:schemeClr>
+              </a:solidFill>
+            </a:ln>
+          </p:spPr>
+        </p:pic>
+        <p:pic>
+          <p:nvPicPr>
+            <p:cNvPr id="3" name="그림 2">
+              <a:extLst>
+                <a:ext uri="{FF2B5EF4-FFF2-40B4-BE49-F238E27FC236}">
+                  <a16:creationId xmlns:a16="http://schemas.microsoft.com/office/drawing/2014/main" id="{3279E5B6-7222-4877-3494-CC751CD13FF5}"/>
+                </a:ext>
+              </a:extLst>
+            </p:cNvPr>
+            <p:cNvPicPr>
+              <a:picLocks noChangeAspect="1"/>
+            </p:cNvPicPr>
+            <p:nvPr/>
+          </p:nvPicPr>
+          <p:blipFill>
+            <a:blip r:embed="rId4"/>
+            <a:srcRect r="47879"/>
+            <a:stretch/>
+          </p:blipFill>
+          <p:spPr>
+            <a:xfrm>
+              <a:off x="6363094" y="205786"/>
+              <a:ext cx="5637128" cy="5366927"/>
+            </a:xfrm>
+            <a:prstGeom prst="rect">
+              <a:avLst/>
+            </a:prstGeom>
+            <a:ln>
+              <a:solidFill>
+                <a:schemeClr val="bg1">
+                  <a:lumMod val="65000"/>
+                </a:schemeClr>
+              </a:solidFill>
+            </a:ln>
+          </p:spPr>
+        </p:pic>
+      </p:grpSp>
     </p:spTree>
     <p:extLst>
       <p:ext uri="{BB962C8B-B14F-4D97-AF65-F5344CB8AC3E}">
@@ -7351,6 +7868,43 @@
           <a:chExt cx="0" cy="0"/>
         </a:xfrm>
       </p:grpSpPr>
+      <p:pic>
+        <p:nvPicPr>
+          <p:cNvPr id="5" name="그림 4">
+            <a:extLst>
+              <a:ext uri="{FF2B5EF4-FFF2-40B4-BE49-F238E27FC236}">
+                <a16:creationId xmlns:a16="http://schemas.microsoft.com/office/drawing/2014/main" id="{C868EB73-C2C4-51D8-C261-2B3579817330}"/>
+              </a:ext>
+            </a:extLst>
+          </p:cNvPr>
+          <p:cNvPicPr>
+            <a:picLocks noChangeAspect="1"/>
+          </p:cNvPicPr>
+          <p:nvPr/>
+        </p:nvPicPr>
+        <p:blipFill>
+          <a:blip r:embed="rId3"/>
+          <a:stretch>
+            <a:fillRect/>
+          </a:stretch>
+        </p:blipFill>
+        <p:spPr>
+          <a:xfrm>
+            <a:off x="1754328" y="0"/>
+            <a:ext cx="8683344" cy="5769421"/>
+          </a:xfrm>
+          <a:prstGeom prst="rect">
+            <a:avLst/>
+          </a:prstGeom>
+          <a:ln>
+            <a:solidFill>
+              <a:schemeClr val="bg1">
+                <a:lumMod val="65000"/>
+              </a:schemeClr>
+            </a:solidFill>
+          </a:ln>
+        </p:spPr>
+      </p:pic>
     </p:spTree>
     <p:extLst>
       <p:ext uri="{BB962C8B-B14F-4D97-AF65-F5344CB8AC3E}">
@@ -7365,6 +7919,152 @@
 </file>
 
 <file path=ppt/slides/slide13.xml><?xml version="1.0" encoding="utf-8"?>
+<p:sld xmlns:a="http://schemas.openxmlformats.org/drawingml/2006/main" xmlns:r="http://schemas.openxmlformats.org/officeDocument/2006/relationships" xmlns:p="http://schemas.openxmlformats.org/presentationml/2006/main">
+  <p:cSld>
+    <p:spTree>
+      <p:nvGrpSpPr>
+        <p:cNvPr id="1" name="">
+          <a:extLst>
+            <a:ext uri="{FF2B5EF4-FFF2-40B4-BE49-F238E27FC236}">
+              <a16:creationId xmlns:a16="http://schemas.microsoft.com/office/drawing/2014/main" id="{833B2967-D8E4-EDBF-A127-F43B0630BA66}"/>
+            </a:ext>
+          </a:extLst>
+        </p:cNvPr>
+        <p:cNvGrpSpPr/>
+        <p:nvPr/>
+      </p:nvGrpSpPr>
+      <p:grpSpPr>
+        <a:xfrm>
+          <a:off x="0" y="0"/>
+          <a:ext cx="0" cy="0"/>
+          <a:chOff x="0" y="0"/>
+          <a:chExt cx="0" cy="0"/>
+        </a:xfrm>
+      </p:grpSpPr>
+      <p:pic>
+        <p:nvPicPr>
+          <p:cNvPr id="5" name="그림 4">
+            <a:extLst>
+              <a:ext uri="{FF2B5EF4-FFF2-40B4-BE49-F238E27FC236}">
+                <a16:creationId xmlns:a16="http://schemas.microsoft.com/office/drawing/2014/main" id="{5C59947D-D4FC-5425-411F-C4451159913A}"/>
+              </a:ext>
+            </a:extLst>
+          </p:cNvPr>
+          <p:cNvPicPr>
+            <a:picLocks noChangeAspect="1"/>
+          </p:cNvPicPr>
+          <p:nvPr/>
+        </p:nvPicPr>
+        <p:blipFill>
+          <a:blip r:embed="rId3"/>
+          <a:stretch>
+            <a:fillRect/>
+          </a:stretch>
+        </p:blipFill>
+        <p:spPr>
+          <a:xfrm>
+            <a:off x="691713" y="205812"/>
+            <a:ext cx="10808573" cy="5366875"/>
+          </a:xfrm>
+          <a:prstGeom prst="rect">
+            <a:avLst/>
+          </a:prstGeom>
+          <a:ln>
+            <a:solidFill>
+              <a:schemeClr val="bg1">
+                <a:lumMod val="65000"/>
+              </a:schemeClr>
+            </a:solidFill>
+          </a:ln>
+        </p:spPr>
+      </p:pic>
+    </p:spTree>
+    <p:extLst>
+      <p:ext uri="{BB962C8B-B14F-4D97-AF65-F5344CB8AC3E}">
+        <p14:creationId xmlns:p14="http://schemas.microsoft.com/office/powerpoint/2010/main" val="1137019806"/>
+      </p:ext>
+    </p:extLst>
+  </p:cSld>
+  <p:clrMapOvr>
+    <a:masterClrMapping/>
+  </p:clrMapOvr>
+</p:sld>
+</file>
+
+<file path=ppt/slides/slide14.xml><?xml version="1.0" encoding="utf-8"?>
+<p:sld xmlns:a="http://schemas.openxmlformats.org/drawingml/2006/main" xmlns:r="http://schemas.openxmlformats.org/officeDocument/2006/relationships" xmlns:p="http://schemas.openxmlformats.org/presentationml/2006/main">
+  <p:cSld>
+    <p:spTree>
+      <p:nvGrpSpPr>
+        <p:cNvPr id="1" name="">
+          <a:extLst>
+            <a:ext uri="{FF2B5EF4-FFF2-40B4-BE49-F238E27FC236}">
+              <a16:creationId xmlns:a16="http://schemas.microsoft.com/office/drawing/2014/main" id="{EB2D2CD9-D8FB-D307-DCE3-73487327C85B}"/>
+            </a:ext>
+          </a:extLst>
+        </p:cNvPr>
+        <p:cNvGrpSpPr/>
+        <p:nvPr/>
+      </p:nvGrpSpPr>
+      <p:grpSpPr>
+        <a:xfrm>
+          <a:off x="0" y="0"/>
+          <a:ext cx="0" cy="0"/>
+          <a:chOff x="0" y="0"/>
+          <a:chExt cx="0" cy="0"/>
+        </a:xfrm>
+      </p:grpSpPr>
+      <p:pic>
+        <p:nvPicPr>
+          <p:cNvPr id="3" name="그림 2">
+            <a:extLst>
+              <a:ext uri="{FF2B5EF4-FFF2-40B4-BE49-F238E27FC236}">
+                <a16:creationId xmlns:a16="http://schemas.microsoft.com/office/drawing/2014/main" id="{9671DF6B-6485-9495-CC8C-5341756B28BB}"/>
+              </a:ext>
+            </a:extLst>
+          </p:cNvPr>
+          <p:cNvPicPr>
+            <a:picLocks noChangeAspect="1"/>
+          </p:cNvPicPr>
+          <p:nvPr/>
+        </p:nvPicPr>
+        <p:blipFill>
+          <a:blip r:embed="rId3"/>
+          <a:stretch>
+            <a:fillRect/>
+          </a:stretch>
+        </p:blipFill>
+        <p:spPr>
+          <a:xfrm>
+            <a:off x="688258" y="205786"/>
+            <a:ext cx="10815483" cy="5366927"/>
+          </a:xfrm>
+          <a:prstGeom prst="rect">
+            <a:avLst/>
+          </a:prstGeom>
+          <a:ln>
+            <a:solidFill>
+              <a:schemeClr val="bg1">
+                <a:lumMod val="65000"/>
+              </a:schemeClr>
+            </a:solidFill>
+          </a:ln>
+        </p:spPr>
+      </p:pic>
+    </p:spTree>
+    <p:extLst>
+      <p:ext uri="{BB962C8B-B14F-4D97-AF65-F5344CB8AC3E}">
+        <p14:creationId xmlns:p14="http://schemas.microsoft.com/office/powerpoint/2010/main" val="2380896392"/>
+      </p:ext>
+    </p:extLst>
+  </p:cSld>
+  <p:clrMapOvr>
+    <a:masterClrMapping/>
+  </p:clrMapOvr>
+</p:sld>
+</file>
+
+<file path=ppt/slides/slide15.xml><?xml version="1.0" encoding="utf-8"?>
 <p:sld xmlns:a="http://schemas.openxmlformats.org/drawingml/2006/main" xmlns:r="http://schemas.openxmlformats.org/officeDocument/2006/relationships" xmlns:p="http://schemas.openxmlformats.org/presentationml/2006/main">
   <p:cSld>
     <p:spTree>
@@ -7387,6 +8087,43 @@
           <a:chExt cx="0" cy="0"/>
         </a:xfrm>
       </p:grpSpPr>
+      <p:pic>
+        <p:nvPicPr>
+          <p:cNvPr id="3" name="그림 2">
+            <a:extLst>
+              <a:ext uri="{FF2B5EF4-FFF2-40B4-BE49-F238E27FC236}">
+                <a16:creationId xmlns:a16="http://schemas.microsoft.com/office/drawing/2014/main" id="{21172372-B3F6-2C79-87A1-4D123923A2A9}"/>
+              </a:ext>
+            </a:extLst>
+          </p:cNvPr>
+          <p:cNvPicPr>
+            <a:picLocks noChangeAspect="1"/>
+          </p:cNvPicPr>
+          <p:nvPr/>
+        </p:nvPicPr>
+        <p:blipFill>
+          <a:blip r:embed="rId3"/>
+          <a:stretch>
+            <a:fillRect/>
+          </a:stretch>
+        </p:blipFill>
+        <p:spPr>
+          <a:xfrm>
+            <a:off x="1750679" y="0"/>
+            <a:ext cx="8690642" cy="5774270"/>
+          </a:xfrm>
+          <a:prstGeom prst="rect">
+            <a:avLst/>
+          </a:prstGeom>
+          <a:ln>
+            <a:solidFill>
+              <a:schemeClr val="bg1">
+                <a:lumMod val="65000"/>
+              </a:schemeClr>
+            </a:solidFill>
+          </a:ln>
+        </p:spPr>
+      </p:pic>
     </p:spTree>
     <p:extLst>
       <p:ext uri="{BB962C8B-B14F-4D97-AF65-F5344CB8AC3E}">
@@ -7400,7 +8137,7 @@
 </p:sld>
 </file>
 
-<file path=ppt/slides/slide14.xml><?xml version="1.0" encoding="utf-8"?>
+<file path=ppt/slides/slide16.xml><?xml version="1.0" encoding="utf-8"?>
 <p:sld xmlns:a="http://schemas.openxmlformats.org/drawingml/2006/main" xmlns:r="http://schemas.openxmlformats.org/officeDocument/2006/relationships" xmlns:p="http://schemas.openxmlformats.org/presentationml/2006/main">
   <p:cSld>
     <p:spTree>
@@ -7423,6 +8160,43 @@
           <a:chExt cx="0" cy="0"/>
         </a:xfrm>
       </p:grpSpPr>
+      <p:pic>
+        <p:nvPicPr>
+          <p:cNvPr id="3" name="그림 2">
+            <a:extLst>
+              <a:ext uri="{FF2B5EF4-FFF2-40B4-BE49-F238E27FC236}">
+                <a16:creationId xmlns:a16="http://schemas.microsoft.com/office/drawing/2014/main" id="{05F28FAB-AEFB-51F9-ABA8-07F25AD6F839}"/>
+              </a:ext>
+            </a:extLst>
+          </p:cNvPr>
+          <p:cNvPicPr>
+            <a:picLocks noChangeAspect="1"/>
+          </p:cNvPicPr>
+          <p:nvPr/>
+        </p:nvPicPr>
+        <p:blipFill>
+          <a:blip r:embed="rId3"/>
+          <a:stretch>
+            <a:fillRect/>
+          </a:stretch>
+        </p:blipFill>
+        <p:spPr>
+          <a:xfrm>
+            <a:off x="1751012" y="-1"/>
+            <a:ext cx="8689975" cy="5768975"/>
+          </a:xfrm>
+          <a:prstGeom prst="rect">
+            <a:avLst/>
+          </a:prstGeom>
+          <a:ln>
+            <a:solidFill>
+              <a:schemeClr val="bg1">
+                <a:lumMod val="65000"/>
+              </a:schemeClr>
+            </a:solidFill>
+          </a:ln>
+        </p:spPr>
+      </p:pic>
     </p:spTree>
     <p:extLst>
       <p:ext uri="{BB962C8B-B14F-4D97-AF65-F5344CB8AC3E}">
@@ -7436,7 +8210,7 @@
 </p:sld>
 </file>
 
-<file path=ppt/slides/slide15.xml><?xml version="1.0" encoding="utf-8"?>
+<file path=ppt/slides/slide17.xml><?xml version="1.0" encoding="utf-8"?>
 <p:sld xmlns:a="http://schemas.openxmlformats.org/drawingml/2006/main" xmlns:r="http://schemas.openxmlformats.org/officeDocument/2006/relationships" xmlns:p="http://schemas.openxmlformats.org/presentationml/2006/main">
   <p:cSld>
     <p:spTree>
@@ -7459,6 +8233,43 @@
           <a:chExt cx="0" cy="0"/>
         </a:xfrm>
       </p:grpSpPr>
+      <p:pic>
+        <p:nvPicPr>
+          <p:cNvPr id="3" name="그림 2">
+            <a:extLst>
+              <a:ext uri="{FF2B5EF4-FFF2-40B4-BE49-F238E27FC236}">
+                <a16:creationId xmlns:a16="http://schemas.microsoft.com/office/drawing/2014/main" id="{E3F378F4-17FE-BC41-CE74-5CA583CAC38C}"/>
+              </a:ext>
+            </a:extLst>
+          </p:cNvPr>
+          <p:cNvPicPr>
+            <a:picLocks noChangeAspect="1"/>
+          </p:cNvPicPr>
+          <p:nvPr/>
+        </p:nvPicPr>
+        <p:blipFill>
+          <a:blip r:embed="rId3"/>
+          <a:stretch>
+            <a:fillRect/>
+          </a:stretch>
+        </p:blipFill>
+        <p:spPr>
+          <a:xfrm>
+            <a:off x="1764091" y="0"/>
+            <a:ext cx="8682672" cy="5768975"/>
+          </a:xfrm>
+          <a:prstGeom prst="rect">
+            <a:avLst/>
+          </a:prstGeom>
+          <a:ln>
+            <a:solidFill>
+              <a:schemeClr val="bg1">
+                <a:lumMod val="65000"/>
+              </a:schemeClr>
+            </a:solidFill>
+          </a:ln>
+        </p:spPr>
+      </p:pic>
     </p:spTree>
     <p:extLst>
       <p:ext uri="{BB962C8B-B14F-4D97-AF65-F5344CB8AC3E}">
@@ -7472,7 +8283,80 @@
 </p:sld>
 </file>
 
-<file path=ppt/slides/slide16.xml><?xml version="1.0" encoding="utf-8"?>
+<file path=ppt/slides/slide18.xml><?xml version="1.0" encoding="utf-8"?>
+<p:sld xmlns:a="http://schemas.openxmlformats.org/drawingml/2006/main" xmlns:r="http://schemas.openxmlformats.org/officeDocument/2006/relationships" xmlns:p="http://schemas.openxmlformats.org/presentationml/2006/main">
+  <p:cSld>
+    <p:spTree>
+      <p:nvGrpSpPr>
+        <p:cNvPr id="1" name="">
+          <a:extLst>
+            <a:ext uri="{FF2B5EF4-FFF2-40B4-BE49-F238E27FC236}">
+              <a16:creationId xmlns:a16="http://schemas.microsoft.com/office/drawing/2014/main" id="{ABBA83A3-AA0C-5B32-C08E-2F91CF3E55C3}"/>
+            </a:ext>
+          </a:extLst>
+        </p:cNvPr>
+        <p:cNvGrpSpPr/>
+        <p:nvPr/>
+      </p:nvGrpSpPr>
+      <p:grpSpPr>
+        <a:xfrm>
+          <a:off x="0" y="0"/>
+          <a:ext cx="0" cy="0"/>
+          <a:chOff x="0" y="0"/>
+          <a:chExt cx="0" cy="0"/>
+        </a:xfrm>
+      </p:grpSpPr>
+      <p:pic>
+        <p:nvPicPr>
+          <p:cNvPr id="3" name="그림 2">
+            <a:extLst>
+              <a:ext uri="{FF2B5EF4-FFF2-40B4-BE49-F238E27FC236}">
+                <a16:creationId xmlns:a16="http://schemas.microsoft.com/office/drawing/2014/main" id="{B2C1DDCC-317F-A111-BC32-EB8C17A801B7}"/>
+              </a:ext>
+            </a:extLst>
+          </p:cNvPr>
+          <p:cNvPicPr>
+            <a:picLocks noChangeAspect="1"/>
+          </p:cNvPicPr>
+          <p:nvPr/>
+        </p:nvPicPr>
+        <p:blipFill>
+          <a:blip r:embed="rId3"/>
+          <a:stretch>
+            <a:fillRect/>
+          </a:stretch>
+        </p:blipFill>
+        <p:spPr>
+          <a:xfrm>
+            <a:off x="1751012" y="-1"/>
+            <a:ext cx="8689975" cy="5768975"/>
+          </a:xfrm>
+          <a:prstGeom prst="rect">
+            <a:avLst/>
+          </a:prstGeom>
+          <a:ln>
+            <a:solidFill>
+              <a:schemeClr val="bg1">
+                <a:lumMod val="65000"/>
+              </a:schemeClr>
+            </a:solidFill>
+          </a:ln>
+        </p:spPr>
+      </p:pic>
+    </p:spTree>
+    <p:extLst>
+      <p:ext uri="{BB962C8B-B14F-4D97-AF65-F5344CB8AC3E}">
+        <p14:creationId xmlns:p14="http://schemas.microsoft.com/office/powerpoint/2010/main" val="1226527548"/>
+      </p:ext>
+    </p:extLst>
+  </p:cSld>
+  <p:clrMapOvr>
+    <a:masterClrMapping/>
+  </p:clrMapOvr>
+</p:sld>
+</file>
+
+<file path=ppt/slides/slide19.xml><?xml version="1.0" encoding="utf-8"?>
 <p:sld xmlns:a="http://schemas.openxmlformats.org/drawingml/2006/main" xmlns:r="http://schemas.openxmlformats.org/officeDocument/2006/relationships" xmlns:p="http://schemas.openxmlformats.org/presentationml/2006/main">
   <p:cSld>
     <p:spTree>
@@ -7495,118 +8379,47 @@
           <a:chExt cx="0" cy="0"/>
         </a:xfrm>
       </p:grpSpPr>
+      <p:pic>
+        <p:nvPicPr>
+          <p:cNvPr id="3" name="그림 2">
+            <a:extLst>
+              <a:ext uri="{FF2B5EF4-FFF2-40B4-BE49-F238E27FC236}">
+                <a16:creationId xmlns:a16="http://schemas.microsoft.com/office/drawing/2014/main" id="{800E0F30-2CEC-EEC6-CA30-350B21ABCECF}"/>
+              </a:ext>
+            </a:extLst>
+          </p:cNvPr>
+          <p:cNvPicPr>
+            <a:picLocks noChangeAspect="1"/>
+          </p:cNvPicPr>
+          <p:nvPr/>
+        </p:nvPicPr>
+        <p:blipFill>
+          <a:blip r:embed="rId3"/>
+          <a:stretch>
+            <a:fillRect/>
+          </a:stretch>
+        </p:blipFill>
+        <p:spPr>
+          <a:xfrm>
+            <a:off x="0" y="876805"/>
+            <a:ext cx="12192000" cy="4024890"/>
+          </a:xfrm>
+          <a:prstGeom prst="rect">
+            <a:avLst/>
+          </a:prstGeom>
+          <a:ln>
+            <a:solidFill>
+              <a:schemeClr val="bg1">
+                <a:lumMod val="65000"/>
+              </a:schemeClr>
+            </a:solidFill>
+          </a:ln>
+        </p:spPr>
+      </p:pic>
     </p:spTree>
     <p:extLst>
       <p:ext uri="{BB962C8B-B14F-4D97-AF65-F5344CB8AC3E}">
         <p14:creationId xmlns:p14="http://schemas.microsoft.com/office/powerpoint/2010/main" val="2593034320"/>
-      </p:ext>
-    </p:extLst>
-  </p:cSld>
-  <p:clrMapOvr>
-    <a:masterClrMapping/>
-  </p:clrMapOvr>
-</p:sld>
-</file>
-
-<file path=ppt/slides/slide17.xml><?xml version="1.0" encoding="utf-8"?>
-<p:sld xmlns:a="http://schemas.openxmlformats.org/drawingml/2006/main" xmlns:r="http://schemas.openxmlformats.org/officeDocument/2006/relationships" xmlns:p="http://schemas.openxmlformats.org/presentationml/2006/main">
-  <p:cSld>
-    <p:spTree>
-      <p:nvGrpSpPr>
-        <p:cNvPr id="1" name="">
-          <a:extLst>
-            <a:ext uri="{FF2B5EF4-FFF2-40B4-BE49-F238E27FC236}">
-              <a16:creationId xmlns:a16="http://schemas.microsoft.com/office/drawing/2014/main" id="{42649E67-3E63-5937-E6CE-20B17DEB4412}"/>
-            </a:ext>
-          </a:extLst>
-        </p:cNvPr>
-        <p:cNvGrpSpPr/>
-        <p:nvPr/>
-      </p:nvGrpSpPr>
-      <p:grpSpPr>
-        <a:xfrm>
-          <a:off x="0" y="0"/>
-          <a:ext cx="0" cy="0"/>
-          <a:chOff x="0" y="0"/>
-          <a:chExt cx="0" cy="0"/>
-        </a:xfrm>
-      </p:grpSpPr>
-    </p:spTree>
-    <p:extLst>
-      <p:ext uri="{BB962C8B-B14F-4D97-AF65-F5344CB8AC3E}">
-        <p14:creationId xmlns:p14="http://schemas.microsoft.com/office/powerpoint/2010/main" val="4010538812"/>
-      </p:ext>
-    </p:extLst>
-  </p:cSld>
-  <p:clrMapOvr>
-    <a:masterClrMapping/>
-  </p:clrMapOvr>
-</p:sld>
-</file>
-
-<file path=ppt/slides/slide18.xml><?xml version="1.0" encoding="utf-8"?>
-<p:sld xmlns:a="http://schemas.openxmlformats.org/drawingml/2006/main" xmlns:r="http://schemas.openxmlformats.org/officeDocument/2006/relationships" xmlns:p="http://schemas.openxmlformats.org/presentationml/2006/main">
-  <p:cSld>
-    <p:spTree>
-      <p:nvGrpSpPr>
-        <p:cNvPr id="1" name="">
-          <a:extLst>
-            <a:ext uri="{FF2B5EF4-FFF2-40B4-BE49-F238E27FC236}">
-              <a16:creationId xmlns:a16="http://schemas.microsoft.com/office/drawing/2014/main" id="{CC925229-2E2D-89C0-357E-B9EC2A15AD12}"/>
-            </a:ext>
-          </a:extLst>
-        </p:cNvPr>
-        <p:cNvGrpSpPr/>
-        <p:nvPr/>
-      </p:nvGrpSpPr>
-      <p:grpSpPr>
-        <a:xfrm>
-          <a:off x="0" y="0"/>
-          <a:ext cx="0" cy="0"/>
-          <a:chOff x="0" y="0"/>
-          <a:chExt cx="0" cy="0"/>
-        </a:xfrm>
-      </p:grpSpPr>
-    </p:spTree>
-    <p:extLst>
-      <p:ext uri="{BB962C8B-B14F-4D97-AF65-F5344CB8AC3E}">
-        <p14:creationId xmlns:p14="http://schemas.microsoft.com/office/powerpoint/2010/main" val="3324241428"/>
-      </p:ext>
-    </p:extLst>
-  </p:cSld>
-  <p:clrMapOvr>
-    <a:masterClrMapping/>
-  </p:clrMapOvr>
-</p:sld>
-</file>
-
-<file path=ppt/slides/slide19.xml><?xml version="1.0" encoding="utf-8"?>
-<p:sld xmlns:a="http://schemas.openxmlformats.org/drawingml/2006/main" xmlns:r="http://schemas.openxmlformats.org/officeDocument/2006/relationships" xmlns:p="http://schemas.openxmlformats.org/presentationml/2006/main">
-  <p:cSld>
-    <p:spTree>
-      <p:nvGrpSpPr>
-        <p:cNvPr id="1" name="">
-          <a:extLst>
-            <a:ext uri="{FF2B5EF4-FFF2-40B4-BE49-F238E27FC236}">
-              <a16:creationId xmlns:a16="http://schemas.microsoft.com/office/drawing/2014/main" id="{2A44732F-40EA-4D55-6B53-30078E30B819}"/>
-            </a:ext>
-          </a:extLst>
-        </p:cNvPr>
-        <p:cNvGrpSpPr/>
-        <p:nvPr/>
-      </p:nvGrpSpPr>
-      <p:grpSpPr>
-        <a:xfrm>
-          <a:off x="0" y="0"/>
-          <a:ext cx="0" cy="0"/>
-          <a:chOff x="0" y="0"/>
-          <a:chExt cx="0" cy="0"/>
-        </a:xfrm>
-      </p:grpSpPr>
-    </p:spTree>
-    <p:extLst>
-      <p:ext uri="{BB962C8B-B14F-4D97-AF65-F5344CB8AC3E}">
-        <p14:creationId xmlns:p14="http://schemas.microsoft.com/office/powerpoint/2010/main" val="4000008836"/>
       </p:ext>
     </p:extLst>
   </p:cSld>
@@ -7639,6 +8452,43 @@
           <a:chExt cx="0" cy="0"/>
         </a:xfrm>
       </p:grpSpPr>
+      <p:pic>
+        <p:nvPicPr>
+          <p:cNvPr id="5" name="그림 4">
+            <a:extLst>
+              <a:ext uri="{FF2B5EF4-FFF2-40B4-BE49-F238E27FC236}">
+                <a16:creationId xmlns:a16="http://schemas.microsoft.com/office/drawing/2014/main" id="{416B6729-68FF-03A3-7139-3CEC237B86AE}"/>
+              </a:ext>
+            </a:extLst>
+          </p:cNvPr>
+          <p:cNvPicPr>
+            <a:picLocks noChangeAspect="1"/>
+          </p:cNvPicPr>
+          <p:nvPr/>
+        </p:nvPicPr>
+        <p:blipFill>
+          <a:blip r:embed="rId3"/>
+          <a:stretch>
+            <a:fillRect/>
+          </a:stretch>
+        </p:blipFill>
+        <p:spPr>
+          <a:xfrm>
+            <a:off x="691713" y="205812"/>
+            <a:ext cx="10808573" cy="5366875"/>
+          </a:xfrm>
+          <a:prstGeom prst="rect">
+            <a:avLst/>
+          </a:prstGeom>
+          <a:ln>
+            <a:solidFill>
+              <a:schemeClr val="bg1">
+                <a:lumMod val="65000"/>
+              </a:schemeClr>
+            </a:solidFill>
+          </a:ln>
+        </p:spPr>
+      </p:pic>
     </p:spTree>
     <p:extLst>
       <p:ext uri="{BB962C8B-B14F-4D97-AF65-F5344CB8AC3E}">
@@ -7653,6 +8503,218 @@
 </file>
 
 <file path=ppt/slides/slide20.xml><?xml version="1.0" encoding="utf-8"?>
+<p:sld xmlns:a="http://schemas.openxmlformats.org/drawingml/2006/main" xmlns:r="http://schemas.openxmlformats.org/officeDocument/2006/relationships" xmlns:p="http://schemas.openxmlformats.org/presentationml/2006/main">
+  <p:cSld>
+    <p:spTree>
+      <p:nvGrpSpPr>
+        <p:cNvPr id="1" name="">
+          <a:extLst>
+            <a:ext uri="{FF2B5EF4-FFF2-40B4-BE49-F238E27FC236}">
+              <a16:creationId xmlns:a16="http://schemas.microsoft.com/office/drawing/2014/main" id="{42649E67-3E63-5937-E6CE-20B17DEB4412}"/>
+            </a:ext>
+          </a:extLst>
+        </p:cNvPr>
+        <p:cNvGrpSpPr/>
+        <p:nvPr/>
+      </p:nvGrpSpPr>
+      <p:grpSpPr>
+        <a:xfrm>
+          <a:off x="0" y="0"/>
+          <a:ext cx="0" cy="0"/>
+          <a:chOff x="0" y="0"/>
+          <a:chExt cx="0" cy="0"/>
+        </a:xfrm>
+      </p:grpSpPr>
+      <p:pic>
+        <p:nvPicPr>
+          <p:cNvPr id="3" name="그림 2">
+            <a:extLst>
+              <a:ext uri="{FF2B5EF4-FFF2-40B4-BE49-F238E27FC236}">
+                <a16:creationId xmlns:a16="http://schemas.microsoft.com/office/drawing/2014/main" id="{736E26C0-6F44-E246-FD25-2BAD005A0AB4}"/>
+              </a:ext>
+            </a:extLst>
+          </p:cNvPr>
+          <p:cNvPicPr>
+            <a:picLocks noChangeAspect="1"/>
+          </p:cNvPicPr>
+          <p:nvPr/>
+        </p:nvPicPr>
+        <p:blipFill>
+          <a:blip r:embed="rId3"/>
+          <a:stretch>
+            <a:fillRect/>
+          </a:stretch>
+        </p:blipFill>
+        <p:spPr>
+          <a:xfrm>
+            <a:off x="0" y="876805"/>
+            <a:ext cx="12192000" cy="4024890"/>
+          </a:xfrm>
+          <a:prstGeom prst="rect">
+            <a:avLst/>
+          </a:prstGeom>
+          <a:ln>
+            <a:solidFill>
+              <a:schemeClr val="bg1">
+                <a:lumMod val="65000"/>
+              </a:schemeClr>
+            </a:solidFill>
+          </a:ln>
+        </p:spPr>
+      </p:pic>
+    </p:spTree>
+    <p:extLst>
+      <p:ext uri="{BB962C8B-B14F-4D97-AF65-F5344CB8AC3E}">
+        <p14:creationId xmlns:p14="http://schemas.microsoft.com/office/powerpoint/2010/main" val="4010538812"/>
+      </p:ext>
+    </p:extLst>
+  </p:cSld>
+  <p:clrMapOvr>
+    <a:masterClrMapping/>
+  </p:clrMapOvr>
+</p:sld>
+</file>
+
+<file path=ppt/slides/slide21.xml><?xml version="1.0" encoding="utf-8"?>
+<p:sld xmlns:a="http://schemas.openxmlformats.org/drawingml/2006/main" xmlns:r="http://schemas.openxmlformats.org/officeDocument/2006/relationships" xmlns:p="http://schemas.openxmlformats.org/presentationml/2006/main">
+  <p:cSld>
+    <p:spTree>
+      <p:nvGrpSpPr>
+        <p:cNvPr id="1" name="">
+          <a:extLst>
+            <a:ext uri="{FF2B5EF4-FFF2-40B4-BE49-F238E27FC236}">
+              <a16:creationId xmlns:a16="http://schemas.microsoft.com/office/drawing/2014/main" id="{CC925229-2E2D-89C0-357E-B9EC2A15AD12}"/>
+            </a:ext>
+          </a:extLst>
+        </p:cNvPr>
+        <p:cNvGrpSpPr/>
+        <p:nvPr/>
+      </p:nvGrpSpPr>
+      <p:grpSpPr>
+        <a:xfrm>
+          <a:off x="0" y="0"/>
+          <a:ext cx="0" cy="0"/>
+          <a:chOff x="0" y="0"/>
+          <a:chExt cx="0" cy="0"/>
+        </a:xfrm>
+      </p:grpSpPr>
+      <p:pic>
+        <p:nvPicPr>
+          <p:cNvPr id="3" name="그림 2">
+            <a:extLst>
+              <a:ext uri="{FF2B5EF4-FFF2-40B4-BE49-F238E27FC236}">
+                <a16:creationId xmlns:a16="http://schemas.microsoft.com/office/drawing/2014/main" id="{8826EB2C-3CD6-CD86-E3CA-B5B03DD5E63B}"/>
+              </a:ext>
+            </a:extLst>
+          </p:cNvPr>
+          <p:cNvPicPr>
+            <a:picLocks noChangeAspect="1"/>
+          </p:cNvPicPr>
+          <p:nvPr/>
+        </p:nvPicPr>
+        <p:blipFill>
+          <a:blip r:embed="rId3"/>
+          <a:stretch>
+            <a:fillRect/>
+          </a:stretch>
+        </p:blipFill>
+        <p:spPr>
+          <a:xfrm>
+            <a:off x="1751012" y="0"/>
+            <a:ext cx="8689976" cy="5768975"/>
+          </a:xfrm>
+          <a:prstGeom prst="rect">
+            <a:avLst/>
+          </a:prstGeom>
+          <a:ln>
+            <a:solidFill>
+              <a:schemeClr val="bg1">
+                <a:lumMod val="65000"/>
+              </a:schemeClr>
+            </a:solidFill>
+          </a:ln>
+        </p:spPr>
+      </p:pic>
+    </p:spTree>
+    <p:extLst>
+      <p:ext uri="{BB962C8B-B14F-4D97-AF65-F5344CB8AC3E}">
+        <p14:creationId xmlns:p14="http://schemas.microsoft.com/office/powerpoint/2010/main" val="3324241428"/>
+      </p:ext>
+    </p:extLst>
+  </p:cSld>
+  <p:clrMapOvr>
+    <a:masterClrMapping/>
+  </p:clrMapOvr>
+</p:sld>
+</file>
+
+<file path=ppt/slides/slide22.xml><?xml version="1.0" encoding="utf-8"?>
+<p:sld xmlns:a="http://schemas.openxmlformats.org/drawingml/2006/main" xmlns:r="http://schemas.openxmlformats.org/officeDocument/2006/relationships" xmlns:p="http://schemas.openxmlformats.org/presentationml/2006/main">
+  <p:cSld>
+    <p:spTree>
+      <p:nvGrpSpPr>
+        <p:cNvPr id="1" name="">
+          <a:extLst>
+            <a:ext uri="{FF2B5EF4-FFF2-40B4-BE49-F238E27FC236}">
+              <a16:creationId xmlns:a16="http://schemas.microsoft.com/office/drawing/2014/main" id="{2A44732F-40EA-4D55-6B53-30078E30B819}"/>
+            </a:ext>
+          </a:extLst>
+        </p:cNvPr>
+        <p:cNvGrpSpPr/>
+        <p:nvPr/>
+      </p:nvGrpSpPr>
+      <p:grpSpPr>
+        <a:xfrm>
+          <a:off x="0" y="0"/>
+          <a:ext cx="0" cy="0"/>
+          <a:chOff x="0" y="0"/>
+          <a:chExt cx="0" cy="0"/>
+        </a:xfrm>
+      </p:grpSpPr>
+      <p:pic>
+        <p:nvPicPr>
+          <p:cNvPr id="3" name="그림 2">
+            <a:extLst>
+              <a:ext uri="{FF2B5EF4-FFF2-40B4-BE49-F238E27FC236}">
+                <a16:creationId xmlns:a16="http://schemas.microsoft.com/office/drawing/2014/main" id="{7A4A5A13-27B7-26DD-6FDE-98392F640427}"/>
+              </a:ext>
+            </a:extLst>
+          </p:cNvPr>
+          <p:cNvPicPr>
+            <a:picLocks noChangeAspect="1"/>
+          </p:cNvPicPr>
+          <p:nvPr/>
+        </p:nvPicPr>
+        <p:blipFill>
+          <a:blip r:embed="rId3"/>
+          <a:stretch>
+            <a:fillRect/>
+          </a:stretch>
+        </p:blipFill>
+        <p:spPr>
+          <a:xfrm>
+            <a:off x="1754664" y="-1"/>
+            <a:ext cx="8682672" cy="5768975"/>
+          </a:xfrm>
+          <a:prstGeom prst="rect">
+            <a:avLst/>
+          </a:prstGeom>
+        </p:spPr>
+      </p:pic>
+    </p:spTree>
+    <p:extLst>
+      <p:ext uri="{BB962C8B-B14F-4D97-AF65-F5344CB8AC3E}">
+        <p14:creationId xmlns:p14="http://schemas.microsoft.com/office/powerpoint/2010/main" val="4000008836"/>
+      </p:ext>
+    </p:extLst>
+  </p:cSld>
+  <p:clrMapOvr>
+    <a:masterClrMapping/>
+  </p:clrMapOvr>
+</p:sld>
+</file>
+
+<file path=ppt/slides/slide23.xml><?xml version="1.0" encoding="utf-8"?>
 <p:sld xmlns:a="http://schemas.openxmlformats.org/drawingml/2006/main" xmlns:r="http://schemas.openxmlformats.org/officeDocument/2006/relationships" xmlns:p="http://schemas.openxmlformats.org/presentationml/2006/main">
   <p:cSld>
     <p:spTree>
@@ -7675,6 +8737,36 @@
           <a:chExt cx="0" cy="0"/>
         </a:xfrm>
       </p:grpSpPr>
+      <p:pic>
+        <p:nvPicPr>
+          <p:cNvPr id="3" name="그림 2">
+            <a:extLst>
+              <a:ext uri="{FF2B5EF4-FFF2-40B4-BE49-F238E27FC236}">
+                <a16:creationId xmlns:a16="http://schemas.microsoft.com/office/drawing/2014/main" id="{53E94510-C51E-9A41-782A-E747AE9A320B}"/>
+              </a:ext>
+            </a:extLst>
+          </p:cNvPr>
+          <p:cNvPicPr>
+            <a:picLocks noChangeAspect="1"/>
+          </p:cNvPicPr>
+          <p:nvPr/>
+        </p:nvPicPr>
+        <p:blipFill>
+          <a:blip r:embed="rId3"/>
+          <a:stretch>
+            <a:fillRect/>
+          </a:stretch>
+        </p:blipFill>
+        <p:spPr>
+          <a:xfrm>
+            <a:off x="1756061" y="33337"/>
+            <a:ext cx="8679877" cy="5735637"/>
+          </a:xfrm>
+          <a:prstGeom prst="rect">
+            <a:avLst/>
+          </a:prstGeom>
+        </p:spPr>
+      </p:pic>
     </p:spTree>
     <p:extLst>
       <p:ext uri="{BB962C8B-B14F-4D97-AF65-F5344CB8AC3E}">
@@ -7688,7 +8780,7 @@
 </p:sld>
 </file>
 
-<file path=ppt/slides/slide21.xml><?xml version="1.0" encoding="utf-8"?>
+<file path=ppt/slides/slide24.xml><?xml version="1.0" encoding="utf-8"?>
 <p:sld xmlns:a="http://schemas.openxmlformats.org/drawingml/2006/main" xmlns:r="http://schemas.openxmlformats.org/officeDocument/2006/relationships" xmlns:p="http://schemas.openxmlformats.org/presentationml/2006/main">
   <p:cSld>
     <p:spTree>
@@ -7711,6 +8803,66 @@
           <a:chExt cx="0" cy="0"/>
         </a:xfrm>
       </p:grpSpPr>
+      <p:pic>
+        <p:nvPicPr>
+          <p:cNvPr id="3" name="그림 2">
+            <a:extLst>
+              <a:ext uri="{FF2B5EF4-FFF2-40B4-BE49-F238E27FC236}">
+                <a16:creationId xmlns:a16="http://schemas.microsoft.com/office/drawing/2014/main" id="{996A45BA-FCD9-6EEB-67BE-1141F0B13015}"/>
+              </a:ext>
+            </a:extLst>
+          </p:cNvPr>
+          <p:cNvPicPr>
+            <a:picLocks noChangeAspect="1"/>
+          </p:cNvPicPr>
+          <p:nvPr/>
+        </p:nvPicPr>
+        <p:blipFill>
+          <a:blip r:embed="rId3"/>
+          <a:stretch>
+            <a:fillRect/>
+          </a:stretch>
+        </p:blipFill>
+        <p:spPr>
+          <a:xfrm>
+            <a:off x="2279650" y="0"/>
+            <a:ext cx="2891339" cy="5768975"/>
+          </a:xfrm>
+          <a:prstGeom prst="rect">
+            <a:avLst/>
+          </a:prstGeom>
+        </p:spPr>
+      </p:pic>
+      <p:pic>
+        <p:nvPicPr>
+          <p:cNvPr id="5" name="그림 4">
+            <a:extLst>
+              <a:ext uri="{FF2B5EF4-FFF2-40B4-BE49-F238E27FC236}">
+                <a16:creationId xmlns:a16="http://schemas.microsoft.com/office/drawing/2014/main" id="{687EB782-58F6-D596-5F0B-1AF0B1CE41FD}"/>
+              </a:ext>
+            </a:extLst>
+          </p:cNvPr>
+          <p:cNvPicPr>
+            <a:picLocks noChangeAspect="1"/>
+          </p:cNvPicPr>
+          <p:nvPr/>
+        </p:nvPicPr>
+        <p:blipFill>
+          <a:blip r:embed="rId4"/>
+          <a:stretch>
+            <a:fillRect/>
+          </a:stretch>
+        </p:blipFill>
+        <p:spPr>
+          <a:xfrm>
+            <a:off x="7021013" y="0"/>
+            <a:ext cx="2838250" cy="5768975"/>
+          </a:xfrm>
+          <a:prstGeom prst="rect">
+            <a:avLst/>
+          </a:prstGeom>
+        </p:spPr>
+      </p:pic>
     </p:spTree>
     <p:extLst>
       <p:ext uri="{BB962C8B-B14F-4D97-AF65-F5344CB8AC3E}">
@@ -7724,7 +8876,7 @@
 </p:sld>
 </file>
 
-<file path=ppt/slides/slide22.xml><?xml version="1.0" encoding="utf-8"?>
+<file path=ppt/slides/slide25.xml><?xml version="1.0" encoding="utf-8"?>
 <p:sld xmlns:a="http://schemas.openxmlformats.org/drawingml/2006/main" xmlns:r="http://schemas.openxmlformats.org/officeDocument/2006/relationships" xmlns:p="http://schemas.openxmlformats.org/presentationml/2006/main">
   <p:cSld>
     <p:spTree>
@@ -7747,6 +8899,36 @@
           <a:chExt cx="0" cy="0"/>
         </a:xfrm>
       </p:grpSpPr>
+      <p:pic>
+        <p:nvPicPr>
+          <p:cNvPr id="3" name="그림 2">
+            <a:extLst>
+              <a:ext uri="{FF2B5EF4-FFF2-40B4-BE49-F238E27FC236}">
+                <a16:creationId xmlns:a16="http://schemas.microsoft.com/office/drawing/2014/main" id="{F298008F-AF5B-4080-1BDC-F07AC5985663}"/>
+              </a:ext>
+            </a:extLst>
+          </p:cNvPr>
+          <p:cNvPicPr>
+            <a:picLocks noChangeAspect="1"/>
+          </p:cNvPicPr>
+          <p:nvPr/>
+        </p:nvPicPr>
+        <p:blipFill>
+          <a:blip r:embed="rId3"/>
+          <a:stretch>
+            <a:fillRect/>
+          </a:stretch>
+        </p:blipFill>
+        <p:spPr>
+          <a:xfrm>
+            <a:off x="1754664" y="0"/>
+            <a:ext cx="8682672" cy="5768975"/>
+          </a:xfrm>
+          <a:prstGeom prst="rect">
+            <a:avLst/>
+          </a:prstGeom>
+        </p:spPr>
+      </p:pic>
     </p:spTree>
     <p:extLst>
       <p:ext uri="{BB962C8B-B14F-4D97-AF65-F5344CB8AC3E}">
@@ -7760,7 +8942,7 @@
 </p:sld>
 </file>
 
-<file path=ppt/slides/slide23.xml><?xml version="1.0" encoding="utf-8"?>
+<file path=ppt/slides/slide26.xml><?xml version="1.0" encoding="utf-8"?>
 <p:sld xmlns:a="http://schemas.openxmlformats.org/drawingml/2006/main" xmlns:r="http://schemas.openxmlformats.org/officeDocument/2006/relationships" xmlns:p="http://schemas.openxmlformats.org/presentationml/2006/main">
   <p:cSld>
     <p:spTree>
@@ -7783,6 +8965,36 @@
           <a:chExt cx="0" cy="0"/>
         </a:xfrm>
       </p:grpSpPr>
+      <p:pic>
+        <p:nvPicPr>
+          <p:cNvPr id="3" name="그림 2">
+            <a:extLst>
+              <a:ext uri="{FF2B5EF4-FFF2-40B4-BE49-F238E27FC236}">
+                <a16:creationId xmlns:a16="http://schemas.microsoft.com/office/drawing/2014/main" id="{9F583998-51B5-841E-B1EA-ECCBFD868175}"/>
+              </a:ext>
+            </a:extLst>
+          </p:cNvPr>
+          <p:cNvPicPr>
+            <a:picLocks noChangeAspect="1"/>
+          </p:cNvPicPr>
+          <p:nvPr/>
+        </p:nvPicPr>
+        <p:blipFill>
+          <a:blip r:embed="rId3"/>
+          <a:stretch>
+            <a:fillRect/>
+          </a:stretch>
+        </p:blipFill>
+        <p:spPr>
+          <a:xfrm>
+            <a:off x="1754664" y="0"/>
+            <a:ext cx="8682672" cy="5768975"/>
+          </a:xfrm>
+          <a:prstGeom prst="rect">
+            <a:avLst/>
+          </a:prstGeom>
+        </p:spPr>
+      </p:pic>
     </p:spTree>
     <p:extLst>
       <p:ext uri="{BB962C8B-B14F-4D97-AF65-F5344CB8AC3E}">
@@ -7796,7 +9008,7 @@
 </p:sld>
 </file>
 
-<file path=ppt/slides/slide24.xml><?xml version="1.0" encoding="utf-8"?>
+<file path=ppt/slides/slide27.xml><?xml version="1.0" encoding="utf-8"?>
 <p:sld xmlns:a="http://schemas.openxmlformats.org/drawingml/2006/main" xmlns:r="http://schemas.openxmlformats.org/officeDocument/2006/relationships" xmlns:p="http://schemas.openxmlformats.org/presentationml/2006/main">
   <p:cSld>
     <p:spTree>
@@ -7832,7 +9044,7 @@
 </p:sld>
 </file>
 
-<file path=ppt/slides/slide25.xml><?xml version="1.0" encoding="utf-8"?>
+<file path=ppt/slides/slide28.xml><?xml version="1.0" encoding="utf-8"?>
 <p:sld xmlns:a="http://schemas.openxmlformats.org/drawingml/2006/main" xmlns:r="http://schemas.openxmlformats.org/officeDocument/2006/relationships" xmlns:p="http://schemas.openxmlformats.org/presentationml/2006/main">
   <p:cSld>
     <p:spTree>
@@ -7868,7 +9080,7 @@
 </p:sld>
 </file>
 
-<file path=ppt/slides/slide26.xml><?xml version="1.0" encoding="utf-8"?>
+<file path=ppt/slides/slide29.xml><?xml version="1.0" encoding="utf-8"?>
 <p:sld xmlns:a="http://schemas.openxmlformats.org/drawingml/2006/main" xmlns:r="http://schemas.openxmlformats.org/officeDocument/2006/relationships" xmlns:p="http://schemas.openxmlformats.org/presentationml/2006/main">
   <p:cSld>
     <p:spTree>
@@ -7904,7 +9116,80 @@
 </p:sld>
 </file>
 
-<file path=ppt/slides/slide27.xml><?xml version="1.0" encoding="utf-8"?>
+<file path=ppt/slides/slide3.xml><?xml version="1.0" encoding="utf-8"?>
+<p:sld xmlns:a="http://schemas.openxmlformats.org/drawingml/2006/main" xmlns:r="http://schemas.openxmlformats.org/officeDocument/2006/relationships" xmlns:p="http://schemas.openxmlformats.org/presentationml/2006/main">
+  <p:cSld>
+    <p:spTree>
+      <p:nvGrpSpPr>
+        <p:cNvPr id="1" name="">
+          <a:extLst>
+            <a:ext uri="{FF2B5EF4-FFF2-40B4-BE49-F238E27FC236}">
+              <a16:creationId xmlns:a16="http://schemas.microsoft.com/office/drawing/2014/main" id="{E5044FF8-2C18-61F6-BFA6-D7F13A6A6B94}"/>
+            </a:ext>
+          </a:extLst>
+        </p:cNvPr>
+        <p:cNvGrpSpPr/>
+        <p:nvPr/>
+      </p:nvGrpSpPr>
+      <p:grpSpPr>
+        <a:xfrm>
+          <a:off x="0" y="0"/>
+          <a:ext cx="0" cy="0"/>
+          <a:chOff x="0" y="0"/>
+          <a:chExt cx="0" cy="0"/>
+        </a:xfrm>
+      </p:grpSpPr>
+      <p:pic>
+        <p:nvPicPr>
+          <p:cNvPr id="3" name="그림 2">
+            <a:extLst>
+              <a:ext uri="{FF2B5EF4-FFF2-40B4-BE49-F238E27FC236}">
+                <a16:creationId xmlns:a16="http://schemas.microsoft.com/office/drawing/2014/main" id="{1C8F28D0-0AB3-26F0-0126-395DCDEB29EA}"/>
+              </a:ext>
+            </a:extLst>
+          </p:cNvPr>
+          <p:cNvPicPr>
+            <a:picLocks noChangeAspect="1"/>
+          </p:cNvPicPr>
+          <p:nvPr/>
+        </p:nvPicPr>
+        <p:blipFill>
+          <a:blip r:embed="rId3"/>
+          <a:stretch>
+            <a:fillRect/>
+          </a:stretch>
+        </p:blipFill>
+        <p:spPr>
+          <a:xfrm>
+            <a:off x="-738" y="876805"/>
+            <a:ext cx="12192737" cy="4025133"/>
+          </a:xfrm>
+          <a:prstGeom prst="rect">
+            <a:avLst/>
+          </a:prstGeom>
+          <a:ln>
+            <a:solidFill>
+              <a:schemeClr val="bg1">
+                <a:lumMod val="65000"/>
+              </a:schemeClr>
+            </a:solidFill>
+          </a:ln>
+        </p:spPr>
+      </p:pic>
+    </p:spTree>
+    <p:extLst>
+      <p:ext uri="{BB962C8B-B14F-4D97-AF65-F5344CB8AC3E}">
+        <p14:creationId xmlns:p14="http://schemas.microsoft.com/office/powerpoint/2010/main" val="2450742934"/>
+      </p:ext>
+    </p:extLst>
+  </p:cSld>
+  <p:clrMapOvr>
+    <a:masterClrMapping/>
+  </p:clrMapOvr>
+</p:sld>
+</file>
+
+<file path=ppt/slides/slide30.xml><?xml version="1.0" encoding="utf-8"?>
 <p:sld xmlns:a="http://schemas.openxmlformats.org/drawingml/2006/main" xmlns:r="http://schemas.openxmlformats.org/officeDocument/2006/relationships" xmlns:p="http://schemas.openxmlformats.org/presentationml/2006/main">
   <p:cSld>
     <p:spTree>
@@ -7940,7 +9225,7 @@
 </p:sld>
 </file>
 
-<file path=ppt/slides/slide28.xml><?xml version="1.0" encoding="utf-8"?>
+<file path=ppt/slides/slide31.xml><?xml version="1.0" encoding="utf-8"?>
 <p:sld xmlns:a="http://schemas.openxmlformats.org/drawingml/2006/main" xmlns:r="http://schemas.openxmlformats.org/officeDocument/2006/relationships" xmlns:p="http://schemas.openxmlformats.org/presentationml/2006/main">
   <p:cSld>
     <p:spTree>
@@ -7976,7 +9261,7 @@
 </p:sld>
 </file>
 
-<file path=ppt/slides/slide29.xml><?xml version="1.0" encoding="utf-8"?>
+<file path=ppt/slides/slide32.xml><?xml version="1.0" encoding="utf-8"?>
 <p:sld xmlns:a="http://schemas.openxmlformats.org/drawingml/2006/main" xmlns:r="http://schemas.openxmlformats.org/officeDocument/2006/relationships" xmlns:p="http://schemas.openxmlformats.org/presentationml/2006/main">
   <p:cSld>
     <p:spTree>
@@ -8012,42 +9297,6 @@
 </p:sld>
 </file>
 
-<file path=ppt/slides/slide3.xml><?xml version="1.0" encoding="utf-8"?>
-<p:sld xmlns:a="http://schemas.openxmlformats.org/drawingml/2006/main" xmlns:r="http://schemas.openxmlformats.org/officeDocument/2006/relationships" xmlns:p="http://schemas.openxmlformats.org/presentationml/2006/main">
-  <p:cSld>
-    <p:spTree>
-      <p:nvGrpSpPr>
-        <p:cNvPr id="1" name="">
-          <a:extLst>
-            <a:ext uri="{FF2B5EF4-FFF2-40B4-BE49-F238E27FC236}">
-              <a16:creationId xmlns:a16="http://schemas.microsoft.com/office/drawing/2014/main" id="{E5044FF8-2C18-61F6-BFA6-D7F13A6A6B94}"/>
-            </a:ext>
-          </a:extLst>
-        </p:cNvPr>
-        <p:cNvGrpSpPr/>
-        <p:nvPr/>
-      </p:nvGrpSpPr>
-      <p:grpSpPr>
-        <a:xfrm>
-          <a:off x="0" y="0"/>
-          <a:ext cx="0" cy="0"/>
-          <a:chOff x="0" y="0"/>
-          <a:chExt cx="0" cy="0"/>
-        </a:xfrm>
-      </p:grpSpPr>
-    </p:spTree>
-    <p:extLst>
-      <p:ext uri="{BB962C8B-B14F-4D97-AF65-F5344CB8AC3E}">
-        <p14:creationId xmlns:p14="http://schemas.microsoft.com/office/powerpoint/2010/main" val="2450742934"/>
-      </p:ext>
-    </p:extLst>
-  </p:cSld>
-  <p:clrMapOvr>
-    <a:masterClrMapping/>
-  </p:clrMapOvr>
-</p:sld>
-</file>
-
 <file path=ppt/slides/slide4.xml><?xml version="1.0" encoding="utf-8"?>
 <p:sld xmlns:a="http://schemas.openxmlformats.org/drawingml/2006/main" xmlns:r="http://schemas.openxmlformats.org/officeDocument/2006/relationships" xmlns:p="http://schemas.openxmlformats.org/presentationml/2006/main">
   <p:cSld>
@@ -8071,6 +9320,43 @@
           <a:chExt cx="0" cy="0"/>
         </a:xfrm>
       </p:grpSpPr>
+      <p:pic>
+        <p:nvPicPr>
+          <p:cNvPr id="3" name="그림 2">
+            <a:extLst>
+              <a:ext uri="{FF2B5EF4-FFF2-40B4-BE49-F238E27FC236}">
+                <a16:creationId xmlns:a16="http://schemas.microsoft.com/office/drawing/2014/main" id="{91B6408E-112B-D590-D548-AD638B18BAE4}"/>
+              </a:ext>
+            </a:extLst>
+          </p:cNvPr>
+          <p:cNvPicPr>
+            <a:picLocks noChangeAspect="1"/>
+          </p:cNvPicPr>
+          <p:nvPr/>
+        </p:nvPicPr>
+        <p:blipFill>
+          <a:blip r:embed="rId3"/>
+          <a:stretch>
+            <a:fillRect/>
+          </a:stretch>
+        </p:blipFill>
+        <p:spPr>
+          <a:xfrm>
+            <a:off x="1754664" y="0"/>
+            <a:ext cx="8682672" cy="5768975"/>
+          </a:xfrm>
+          <a:prstGeom prst="rect">
+            <a:avLst/>
+          </a:prstGeom>
+          <a:ln>
+            <a:solidFill>
+              <a:schemeClr val="bg1">
+                <a:lumMod val="65000"/>
+              </a:schemeClr>
+            </a:solidFill>
+          </a:ln>
+        </p:spPr>
+      </p:pic>
     </p:spTree>
     <p:extLst>
       <p:ext uri="{BB962C8B-B14F-4D97-AF65-F5344CB8AC3E}">
@@ -8107,6 +9393,43 @@
           <a:chExt cx="0" cy="0"/>
         </a:xfrm>
       </p:grpSpPr>
+      <p:pic>
+        <p:nvPicPr>
+          <p:cNvPr id="3" name="그림 2">
+            <a:extLst>
+              <a:ext uri="{FF2B5EF4-FFF2-40B4-BE49-F238E27FC236}">
+                <a16:creationId xmlns:a16="http://schemas.microsoft.com/office/drawing/2014/main" id="{9001CE94-F825-C668-A85A-117BE2146D3C}"/>
+              </a:ext>
+            </a:extLst>
+          </p:cNvPr>
+          <p:cNvPicPr>
+            <a:picLocks noChangeAspect="1"/>
+          </p:cNvPicPr>
+          <p:nvPr/>
+        </p:nvPicPr>
+        <p:blipFill>
+          <a:blip r:embed="rId3"/>
+          <a:stretch>
+            <a:fillRect/>
+          </a:stretch>
+        </p:blipFill>
+        <p:spPr>
+          <a:xfrm>
+            <a:off x="1751012" y="0"/>
+            <a:ext cx="8689975" cy="5768975"/>
+          </a:xfrm>
+          <a:prstGeom prst="rect">
+            <a:avLst/>
+          </a:prstGeom>
+          <a:ln>
+            <a:solidFill>
+              <a:schemeClr val="bg1">
+                <a:lumMod val="65000"/>
+              </a:schemeClr>
+            </a:solidFill>
+          </a:ln>
+        </p:spPr>
+      </p:pic>
     </p:spTree>
     <p:extLst>
       <p:ext uri="{BB962C8B-B14F-4D97-AF65-F5344CB8AC3E}">
@@ -8143,6 +9466,43 @@
           <a:chExt cx="0" cy="0"/>
         </a:xfrm>
       </p:grpSpPr>
+      <p:pic>
+        <p:nvPicPr>
+          <p:cNvPr id="3" name="그림 2">
+            <a:extLst>
+              <a:ext uri="{FF2B5EF4-FFF2-40B4-BE49-F238E27FC236}">
+                <a16:creationId xmlns:a16="http://schemas.microsoft.com/office/drawing/2014/main" id="{4D011733-15FF-98B9-1BCB-C77C9721B15B}"/>
+              </a:ext>
+            </a:extLst>
+          </p:cNvPr>
+          <p:cNvPicPr>
+            <a:picLocks noChangeAspect="1"/>
+          </p:cNvPicPr>
+          <p:nvPr/>
+        </p:nvPicPr>
+        <p:blipFill>
+          <a:blip r:embed="rId3"/>
+          <a:stretch>
+            <a:fillRect/>
+          </a:stretch>
+        </p:blipFill>
+        <p:spPr>
+          <a:xfrm>
+            <a:off x="1751012" y="0"/>
+            <a:ext cx="8689975" cy="5768975"/>
+          </a:xfrm>
+          <a:prstGeom prst="rect">
+            <a:avLst/>
+          </a:prstGeom>
+          <a:ln>
+            <a:solidFill>
+              <a:schemeClr val="bg1">
+                <a:lumMod val="65000"/>
+              </a:schemeClr>
+            </a:solidFill>
+          </a:ln>
+        </p:spPr>
+      </p:pic>
     </p:spTree>
     <p:extLst>
       <p:ext uri="{BB962C8B-B14F-4D97-AF65-F5344CB8AC3E}">
@@ -8179,6 +9539,36 @@
           <a:chExt cx="0" cy="0"/>
         </a:xfrm>
       </p:grpSpPr>
+      <p:pic>
+        <p:nvPicPr>
+          <p:cNvPr id="3" name="그림 2">
+            <a:extLst>
+              <a:ext uri="{FF2B5EF4-FFF2-40B4-BE49-F238E27FC236}">
+                <a16:creationId xmlns:a16="http://schemas.microsoft.com/office/drawing/2014/main" id="{CCFE5C2C-EC85-7A8D-2143-23E81CA4074E}"/>
+              </a:ext>
+            </a:extLst>
+          </p:cNvPr>
+          <p:cNvPicPr>
+            <a:picLocks noChangeAspect="1"/>
+          </p:cNvPicPr>
+          <p:nvPr/>
+        </p:nvPicPr>
+        <p:blipFill>
+          <a:blip r:embed="rId3"/>
+          <a:stretch>
+            <a:fillRect/>
+          </a:stretch>
+        </p:blipFill>
+        <p:spPr>
+          <a:xfrm>
+            <a:off x="1754664" y="0"/>
+            <a:ext cx="8682672" cy="5768975"/>
+          </a:xfrm>
+          <a:prstGeom prst="rect">
+            <a:avLst/>
+          </a:prstGeom>
+        </p:spPr>
+      </p:pic>
     </p:spTree>
     <p:extLst>
       <p:ext uri="{BB962C8B-B14F-4D97-AF65-F5344CB8AC3E}">
@@ -8215,6 +9605,43 @@
           <a:chExt cx="0" cy="0"/>
         </a:xfrm>
       </p:grpSpPr>
+      <p:pic>
+        <p:nvPicPr>
+          <p:cNvPr id="3" name="그림 2">
+            <a:extLst>
+              <a:ext uri="{FF2B5EF4-FFF2-40B4-BE49-F238E27FC236}">
+                <a16:creationId xmlns:a16="http://schemas.microsoft.com/office/drawing/2014/main" id="{21A24629-C1A5-6F8E-19D0-743F611186DC}"/>
+              </a:ext>
+            </a:extLst>
+          </p:cNvPr>
+          <p:cNvPicPr>
+            <a:picLocks noChangeAspect="1"/>
+          </p:cNvPicPr>
+          <p:nvPr/>
+        </p:nvPicPr>
+        <p:blipFill>
+          <a:blip r:embed="rId3"/>
+          <a:stretch>
+            <a:fillRect/>
+          </a:stretch>
+        </p:blipFill>
+        <p:spPr>
+          <a:xfrm>
+            <a:off x="1745762" y="0"/>
+            <a:ext cx="8700475" cy="5780804"/>
+          </a:xfrm>
+          <a:prstGeom prst="rect">
+            <a:avLst/>
+          </a:prstGeom>
+          <a:ln>
+            <a:solidFill>
+              <a:schemeClr val="bg1">
+                <a:lumMod val="65000"/>
+              </a:schemeClr>
+            </a:solidFill>
+          </a:ln>
+        </p:spPr>
+      </p:pic>
     </p:spTree>
     <p:extLst>
       <p:ext uri="{BB962C8B-B14F-4D97-AF65-F5344CB8AC3E}">
@@ -8251,6 +9678,73 @@
           <a:chExt cx="0" cy="0"/>
         </a:xfrm>
       </p:grpSpPr>
+      <p:pic>
+        <p:nvPicPr>
+          <p:cNvPr id="3" name="그림 2">
+            <a:extLst>
+              <a:ext uri="{FF2B5EF4-FFF2-40B4-BE49-F238E27FC236}">
+                <a16:creationId xmlns:a16="http://schemas.microsoft.com/office/drawing/2014/main" id="{5C23EE4D-25BD-764D-2108-0FDC2EFB41B3}"/>
+              </a:ext>
+            </a:extLst>
+          </p:cNvPr>
+          <p:cNvPicPr>
+            <a:picLocks noChangeAspect="1"/>
+          </p:cNvPicPr>
+          <p:nvPr/>
+        </p:nvPicPr>
+        <p:blipFill>
+          <a:blip r:embed="rId3"/>
+          <a:stretch>
+            <a:fillRect/>
+          </a:stretch>
+        </p:blipFill>
+        <p:spPr>
+          <a:xfrm>
+            <a:off x="1754663" y="-1"/>
+            <a:ext cx="8682673" cy="5768975"/>
+          </a:xfrm>
+          <a:prstGeom prst="rect">
+            <a:avLst/>
+          </a:prstGeom>
+          <a:ln>
+            <a:solidFill>
+              <a:schemeClr val="bg1">
+                <a:lumMod val="65000"/>
+              </a:schemeClr>
+            </a:solidFill>
+          </a:ln>
+        </p:spPr>
+      </p:pic>
+      <p:pic>
+        <p:nvPicPr>
+          <p:cNvPr id="5" name="그림 4">
+            <a:extLst>
+              <a:ext uri="{FF2B5EF4-FFF2-40B4-BE49-F238E27FC236}">
+                <a16:creationId xmlns:a16="http://schemas.microsoft.com/office/drawing/2014/main" id="{A7203644-8D80-7317-2640-51853276B956}"/>
+              </a:ext>
+            </a:extLst>
+          </p:cNvPr>
+          <p:cNvPicPr>
+            <a:picLocks noChangeAspect="1"/>
+          </p:cNvPicPr>
+          <p:nvPr/>
+        </p:nvPicPr>
+        <p:blipFill>
+          <a:blip r:embed="rId4"/>
+          <a:stretch>
+            <a:fillRect/>
+          </a:stretch>
+        </p:blipFill>
+        <p:spPr>
+          <a:xfrm>
+            <a:off x="7340014" y="273901"/>
+            <a:ext cx="1752130" cy="5221169"/>
+          </a:xfrm>
+          <a:prstGeom prst="rect">
+            <a:avLst/>
+          </a:prstGeom>
+        </p:spPr>
+      </p:pic>
     </p:spTree>
     <p:extLst>
       <p:ext uri="{BB962C8B-B14F-4D97-AF65-F5344CB8AC3E}">
